--- a/table_s_2_7.pptx
+++ b/table_s_2_7.pptx
@@ -2,12 +2,12 @@
 <file path=ppt/presentation.xml><?xml version="1.0" encoding="utf-8"?>
 <p:presentation xmlns:a="http://schemas.openxmlformats.org/drawingml/2006/main" xmlns:r="http://schemas.openxmlformats.org/officeDocument/2006/relationships" xmlns:p="http://schemas.openxmlformats.org/presentationml/2006/main" saveSubsetFonts="1">
   <p:sldMasterIdLst>
-    <p:sldMasterId id="2147483720" r:id="rId1"/>
+    <p:sldMasterId id="2147483732" r:id="rId1"/>
   </p:sldMasterIdLst>
   <p:sldIdLst>
     <p:sldId id="256" r:id="rId2"/>
   </p:sldIdLst>
-  <p:sldSz cx="6858000" cy="4572000"/>
+  <p:sldSz cx="5943600" cy="4572000"/>
   <p:notesSz cx="6858000" cy="9144000"/>
   <p:defaultTextStyle>
     <a:defPPr>
@@ -141,15 +141,15 @@
         </p:nvSpPr>
         <p:spPr>
           <a:xfrm>
-            <a:off x="514350" y="748242"/>
-            <a:ext cx="5829300" cy="1591733"/>
+            <a:off x="445770" y="748242"/>
+            <a:ext cx="5052060" cy="1591733"/>
           </a:xfrm>
         </p:spPr>
         <p:txBody>
           <a:bodyPr anchor="b"/>
           <a:lstStyle>
             <a:lvl1pPr algn="ctr">
-              <a:defRPr sz="4000"/>
+              <a:defRPr sz="3900"/>
             </a:lvl1pPr>
           </a:lstStyle>
           <a:p>
@@ -173,8 +173,8 @@
         </p:nvSpPr>
         <p:spPr>
           <a:xfrm>
-            <a:off x="857250" y="2401359"/>
-            <a:ext cx="5143500" cy="1103841"/>
+            <a:off x="742950" y="2401359"/>
+            <a:ext cx="4457700" cy="1103841"/>
           </a:xfrm>
         </p:spPr>
         <p:txBody>
@@ -182,39 +182,39 @@
           <a:lstStyle>
             <a:lvl1pPr marL="0" indent="0" algn="ctr">
               <a:buNone/>
-              <a:defRPr sz="1600"/>
+              <a:defRPr sz="1560"/>
             </a:lvl1pPr>
-            <a:lvl2pPr marL="304815" indent="0" algn="ctr">
+            <a:lvl2pPr marL="297180" indent="0" algn="ctr">
               <a:buNone/>
-              <a:defRPr sz="1333"/>
+              <a:defRPr sz="1300"/>
             </a:lvl2pPr>
-            <a:lvl3pPr marL="609630" indent="0" algn="ctr">
+            <a:lvl3pPr marL="594360" indent="0" algn="ctr">
               <a:buNone/>
-              <a:defRPr sz="1200"/>
+              <a:defRPr sz="1170"/>
             </a:lvl3pPr>
-            <a:lvl4pPr marL="914446" indent="0" algn="ctr">
+            <a:lvl4pPr marL="891540" indent="0" algn="ctr">
               <a:buNone/>
-              <a:defRPr sz="1067"/>
+              <a:defRPr sz="1040"/>
             </a:lvl4pPr>
-            <a:lvl5pPr marL="1219261" indent="0" algn="ctr">
+            <a:lvl5pPr marL="1188720" indent="0" algn="ctr">
               <a:buNone/>
-              <a:defRPr sz="1067"/>
+              <a:defRPr sz="1040"/>
             </a:lvl5pPr>
-            <a:lvl6pPr marL="1524076" indent="0" algn="ctr">
+            <a:lvl6pPr marL="1485900" indent="0" algn="ctr">
               <a:buNone/>
-              <a:defRPr sz="1067"/>
+              <a:defRPr sz="1040"/>
             </a:lvl6pPr>
-            <a:lvl7pPr marL="1828891" indent="0" algn="ctr">
+            <a:lvl7pPr marL="1783080" indent="0" algn="ctr">
               <a:buNone/>
-              <a:defRPr sz="1067"/>
+              <a:defRPr sz="1040"/>
             </a:lvl7pPr>
-            <a:lvl8pPr marL="2133707" indent="0" algn="ctr">
+            <a:lvl8pPr marL="2080260" indent="0" algn="ctr">
               <a:buNone/>
-              <a:defRPr sz="1067"/>
+              <a:defRPr sz="1040"/>
             </a:lvl8pPr>
-            <a:lvl9pPr marL="2438522" indent="0" algn="ctr">
+            <a:lvl9pPr marL="2377440" indent="0" algn="ctr">
               <a:buNone/>
-              <a:defRPr sz="1067"/>
+              <a:defRPr sz="1040"/>
             </a:lvl9pPr>
           </a:lstStyle>
           <a:p>
@@ -243,7 +243,7 @@
           <a:p>
             <a:fld id="{9E99647D-1C99-4C31-AAA6-6EEC540FEA86}" type="datetimeFigureOut">
               <a:rPr lang="en-US" smtClean="0"/>
-              <a:t>5/15/2023</a:t>
+              <a:t>5/16/2023</a:t>
             </a:fld>
             <a:endParaRPr lang="en-US"/>
           </a:p>
@@ -294,7 +294,7 @@
     </p:spTree>
     <p:extLst>
       <p:ext uri="{BB962C8B-B14F-4D97-AF65-F5344CB8AC3E}">
-        <p14:creationId xmlns:p14="http://schemas.microsoft.com/office/powerpoint/2010/main" val="3449628169"/>
+        <p14:creationId xmlns:p14="http://schemas.microsoft.com/office/powerpoint/2010/main" val="3377777714"/>
       </p:ext>
     </p:extLst>
   </p:cSld>
@@ -413,7 +413,7 @@
           <a:p>
             <a:fld id="{9E99647D-1C99-4C31-AAA6-6EEC540FEA86}" type="datetimeFigureOut">
               <a:rPr lang="en-US" smtClean="0"/>
-              <a:t>5/15/2023</a:t>
+              <a:t>5/16/2023</a:t>
             </a:fld>
             <a:endParaRPr lang="en-US"/>
           </a:p>
@@ -464,7 +464,7 @@
     </p:spTree>
     <p:extLst>
       <p:ext uri="{BB962C8B-B14F-4D97-AF65-F5344CB8AC3E}">
-        <p14:creationId xmlns:p14="http://schemas.microsoft.com/office/powerpoint/2010/main" val="3623223794"/>
+        <p14:creationId xmlns:p14="http://schemas.microsoft.com/office/powerpoint/2010/main" val="1059908502"/>
       </p:ext>
     </p:extLst>
   </p:cSld>
@@ -503,8 +503,8 @@
         </p:nvSpPr>
         <p:spPr>
           <a:xfrm>
-            <a:off x="4907757" y="243417"/>
-            <a:ext cx="1478756" cy="3874559"/>
+            <a:off x="4253389" y="243417"/>
+            <a:ext cx="1281589" cy="3874559"/>
           </a:xfrm>
         </p:spPr>
         <p:txBody>
@@ -531,8 +531,8 @@
         </p:nvSpPr>
         <p:spPr>
           <a:xfrm>
-            <a:off x="471488" y="243417"/>
-            <a:ext cx="4350544" cy="3874559"/>
+            <a:off x="408623" y="243417"/>
+            <a:ext cx="3770471" cy="3874559"/>
           </a:xfrm>
         </p:spPr>
         <p:txBody>
@@ -593,7 +593,7 @@
           <a:p>
             <a:fld id="{9E99647D-1C99-4C31-AAA6-6EEC540FEA86}" type="datetimeFigureOut">
               <a:rPr lang="en-US" smtClean="0"/>
-              <a:t>5/15/2023</a:t>
+              <a:t>5/16/2023</a:t>
             </a:fld>
             <a:endParaRPr lang="en-US"/>
           </a:p>
@@ -644,7 +644,7 @@
     </p:spTree>
     <p:extLst>
       <p:ext uri="{BB962C8B-B14F-4D97-AF65-F5344CB8AC3E}">
-        <p14:creationId xmlns:p14="http://schemas.microsoft.com/office/powerpoint/2010/main" val="1683913621"/>
+        <p14:creationId xmlns:p14="http://schemas.microsoft.com/office/powerpoint/2010/main" val="2085219014"/>
       </p:ext>
     </p:extLst>
   </p:cSld>
@@ -763,7 +763,7 @@
           <a:p>
             <a:fld id="{9E99647D-1C99-4C31-AAA6-6EEC540FEA86}" type="datetimeFigureOut">
               <a:rPr lang="en-US" smtClean="0"/>
-              <a:t>5/15/2023</a:t>
+              <a:t>5/16/2023</a:t>
             </a:fld>
             <a:endParaRPr lang="en-US"/>
           </a:p>
@@ -814,7 +814,7 @@
     </p:spTree>
     <p:extLst>
       <p:ext uri="{BB962C8B-B14F-4D97-AF65-F5344CB8AC3E}">
-        <p14:creationId xmlns:p14="http://schemas.microsoft.com/office/powerpoint/2010/main" val="2060122856"/>
+        <p14:creationId xmlns:p14="http://schemas.microsoft.com/office/powerpoint/2010/main" val="2245393471"/>
       </p:ext>
     </p:extLst>
   </p:cSld>
@@ -853,15 +853,15 @@
         </p:nvSpPr>
         <p:spPr>
           <a:xfrm>
-            <a:off x="467916" y="1139826"/>
-            <a:ext cx="5915025" cy="1901825"/>
+            <a:off x="405527" y="1139826"/>
+            <a:ext cx="5126355" cy="1901825"/>
           </a:xfrm>
         </p:spPr>
         <p:txBody>
           <a:bodyPr anchor="b"/>
           <a:lstStyle>
             <a:lvl1pPr>
-              <a:defRPr sz="4000"/>
+              <a:defRPr sz="3900"/>
             </a:lvl1pPr>
           </a:lstStyle>
           <a:p>
@@ -885,8 +885,8 @@
         </p:nvSpPr>
         <p:spPr>
           <a:xfrm>
-            <a:off x="467916" y="3059643"/>
-            <a:ext cx="5915025" cy="1000125"/>
+            <a:off x="405527" y="3059643"/>
+            <a:ext cx="5126355" cy="1000125"/>
           </a:xfrm>
         </p:spPr>
         <p:txBody>
@@ -894,15 +894,15 @@
           <a:lstStyle>
             <a:lvl1pPr marL="0" indent="0">
               <a:buNone/>
-              <a:defRPr sz="1600">
+              <a:defRPr sz="1560">
                 <a:solidFill>
                   <a:schemeClr val="tx1"/>
                 </a:solidFill>
               </a:defRPr>
             </a:lvl1pPr>
-            <a:lvl2pPr marL="304815" indent="0">
+            <a:lvl2pPr marL="297180" indent="0">
               <a:buNone/>
-              <a:defRPr sz="1333">
+              <a:defRPr sz="1300">
                 <a:solidFill>
                   <a:schemeClr val="tx1">
                     <a:tint val="75000"/>
@@ -910,9 +910,9 @@
                 </a:solidFill>
               </a:defRPr>
             </a:lvl2pPr>
-            <a:lvl3pPr marL="609630" indent="0">
+            <a:lvl3pPr marL="594360" indent="0">
               <a:buNone/>
-              <a:defRPr sz="1200">
+              <a:defRPr sz="1170">
                 <a:solidFill>
                   <a:schemeClr val="tx1">
                     <a:tint val="75000"/>
@@ -920,9 +920,9 @@
                 </a:solidFill>
               </a:defRPr>
             </a:lvl3pPr>
-            <a:lvl4pPr marL="914446" indent="0">
+            <a:lvl4pPr marL="891540" indent="0">
               <a:buNone/>
-              <a:defRPr sz="1067">
+              <a:defRPr sz="1040">
                 <a:solidFill>
                   <a:schemeClr val="tx1">
                     <a:tint val="75000"/>
@@ -930,9 +930,9 @@
                 </a:solidFill>
               </a:defRPr>
             </a:lvl4pPr>
-            <a:lvl5pPr marL="1219261" indent="0">
+            <a:lvl5pPr marL="1188720" indent="0">
               <a:buNone/>
-              <a:defRPr sz="1067">
+              <a:defRPr sz="1040">
                 <a:solidFill>
                   <a:schemeClr val="tx1">
                     <a:tint val="75000"/>
@@ -940,9 +940,9 @@
                 </a:solidFill>
               </a:defRPr>
             </a:lvl5pPr>
-            <a:lvl6pPr marL="1524076" indent="0">
+            <a:lvl6pPr marL="1485900" indent="0">
               <a:buNone/>
-              <a:defRPr sz="1067">
+              <a:defRPr sz="1040">
                 <a:solidFill>
                   <a:schemeClr val="tx1">
                     <a:tint val="75000"/>
@@ -950,9 +950,9 @@
                 </a:solidFill>
               </a:defRPr>
             </a:lvl6pPr>
-            <a:lvl7pPr marL="1828891" indent="0">
+            <a:lvl7pPr marL="1783080" indent="0">
               <a:buNone/>
-              <a:defRPr sz="1067">
+              <a:defRPr sz="1040">
                 <a:solidFill>
                   <a:schemeClr val="tx1">
                     <a:tint val="75000"/>
@@ -960,9 +960,9 @@
                 </a:solidFill>
               </a:defRPr>
             </a:lvl7pPr>
-            <a:lvl8pPr marL="2133707" indent="0">
+            <a:lvl8pPr marL="2080260" indent="0">
               <a:buNone/>
-              <a:defRPr sz="1067">
+              <a:defRPr sz="1040">
                 <a:solidFill>
                   <a:schemeClr val="tx1">
                     <a:tint val="75000"/>
@@ -970,9 +970,9 @@
                 </a:solidFill>
               </a:defRPr>
             </a:lvl8pPr>
-            <a:lvl9pPr marL="2438522" indent="0">
+            <a:lvl9pPr marL="2377440" indent="0">
               <a:buNone/>
-              <a:defRPr sz="1067">
+              <a:defRPr sz="1040">
                 <a:solidFill>
                   <a:schemeClr val="tx1">
                     <a:tint val="75000"/>
@@ -1007,7 +1007,7 @@
           <a:p>
             <a:fld id="{9E99647D-1C99-4C31-AAA6-6EEC540FEA86}" type="datetimeFigureOut">
               <a:rPr lang="en-US" smtClean="0"/>
-              <a:t>5/15/2023</a:t>
+              <a:t>5/16/2023</a:t>
             </a:fld>
             <a:endParaRPr lang="en-US"/>
           </a:p>
@@ -1058,7 +1058,7 @@
     </p:spTree>
     <p:extLst>
       <p:ext uri="{BB962C8B-B14F-4D97-AF65-F5344CB8AC3E}">
-        <p14:creationId xmlns:p14="http://schemas.microsoft.com/office/powerpoint/2010/main" val="180614175"/>
+        <p14:creationId xmlns:p14="http://schemas.microsoft.com/office/powerpoint/2010/main" val="7751118"/>
       </p:ext>
     </p:extLst>
   </p:cSld>
@@ -1120,8 +1120,8 @@
         </p:nvSpPr>
         <p:spPr>
           <a:xfrm>
-            <a:off x="471488" y="1217083"/>
-            <a:ext cx="2914650" cy="2900892"/>
+            <a:off x="408623" y="1217083"/>
+            <a:ext cx="2526030" cy="2900892"/>
           </a:xfrm>
         </p:spPr>
         <p:txBody>
@@ -1177,8 +1177,8 @@
         </p:nvSpPr>
         <p:spPr>
           <a:xfrm>
-            <a:off x="3471863" y="1217083"/>
-            <a:ext cx="2914650" cy="2900892"/>
+            <a:off x="3008948" y="1217083"/>
+            <a:ext cx="2526030" cy="2900892"/>
           </a:xfrm>
         </p:spPr>
         <p:txBody>
@@ -1239,7 +1239,7 @@
           <a:p>
             <a:fld id="{9E99647D-1C99-4C31-AAA6-6EEC540FEA86}" type="datetimeFigureOut">
               <a:rPr lang="en-US" smtClean="0"/>
-              <a:t>5/15/2023</a:t>
+              <a:t>5/16/2023</a:t>
             </a:fld>
             <a:endParaRPr lang="en-US"/>
           </a:p>
@@ -1290,7 +1290,7 @@
     </p:spTree>
     <p:extLst>
       <p:ext uri="{BB962C8B-B14F-4D97-AF65-F5344CB8AC3E}">
-        <p14:creationId xmlns:p14="http://schemas.microsoft.com/office/powerpoint/2010/main" val="78139618"/>
+        <p14:creationId xmlns:p14="http://schemas.microsoft.com/office/powerpoint/2010/main" val="2581295865"/>
       </p:ext>
     </p:extLst>
   </p:cSld>
@@ -1329,8 +1329,8 @@
         </p:nvSpPr>
         <p:spPr>
           <a:xfrm>
-            <a:off x="472381" y="243418"/>
-            <a:ext cx="5915025" cy="883709"/>
+            <a:off x="409397" y="243418"/>
+            <a:ext cx="5126355" cy="883709"/>
           </a:xfrm>
         </p:spPr>
         <p:txBody>
@@ -1357,8 +1357,8 @@
         </p:nvSpPr>
         <p:spPr>
           <a:xfrm>
-            <a:off x="472381" y="1120775"/>
-            <a:ext cx="2901255" cy="549275"/>
+            <a:off x="409397" y="1120775"/>
+            <a:ext cx="2514421" cy="549275"/>
           </a:xfrm>
         </p:spPr>
         <p:txBody>
@@ -1366,39 +1366,39 @@
           <a:lstStyle>
             <a:lvl1pPr marL="0" indent="0">
               <a:buNone/>
-              <a:defRPr sz="1600" b="1"/>
+              <a:defRPr sz="1560" b="1"/>
             </a:lvl1pPr>
-            <a:lvl2pPr marL="304815" indent="0">
+            <a:lvl2pPr marL="297180" indent="0">
               <a:buNone/>
-              <a:defRPr sz="1333" b="1"/>
+              <a:defRPr sz="1300" b="1"/>
             </a:lvl2pPr>
-            <a:lvl3pPr marL="609630" indent="0">
+            <a:lvl3pPr marL="594360" indent="0">
               <a:buNone/>
-              <a:defRPr sz="1200" b="1"/>
+              <a:defRPr sz="1170" b="1"/>
             </a:lvl3pPr>
-            <a:lvl4pPr marL="914446" indent="0">
+            <a:lvl4pPr marL="891540" indent="0">
               <a:buNone/>
-              <a:defRPr sz="1067" b="1"/>
+              <a:defRPr sz="1040" b="1"/>
             </a:lvl4pPr>
-            <a:lvl5pPr marL="1219261" indent="0">
+            <a:lvl5pPr marL="1188720" indent="0">
               <a:buNone/>
-              <a:defRPr sz="1067" b="1"/>
+              <a:defRPr sz="1040" b="1"/>
             </a:lvl5pPr>
-            <a:lvl6pPr marL="1524076" indent="0">
+            <a:lvl6pPr marL="1485900" indent="0">
               <a:buNone/>
-              <a:defRPr sz="1067" b="1"/>
+              <a:defRPr sz="1040" b="1"/>
             </a:lvl6pPr>
-            <a:lvl7pPr marL="1828891" indent="0">
+            <a:lvl7pPr marL="1783080" indent="0">
               <a:buNone/>
-              <a:defRPr sz="1067" b="1"/>
+              <a:defRPr sz="1040" b="1"/>
             </a:lvl7pPr>
-            <a:lvl8pPr marL="2133707" indent="0">
+            <a:lvl8pPr marL="2080260" indent="0">
               <a:buNone/>
-              <a:defRPr sz="1067" b="1"/>
+              <a:defRPr sz="1040" b="1"/>
             </a:lvl8pPr>
-            <a:lvl9pPr marL="2438522" indent="0">
+            <a:lvl9pPr marL="2377440" indent="0">
               <a:buNone/>
-              <a:defRPr sz="1067" b="1"/>
+              <a:defRPr sz="1040" b="1"/>
             </a:lvl9pPr>
           </a:lstStyle>
           <a:p>
@@ -1422,8 +1422,8 @@
         </p:nvSpPr>
         <p:spPr>
           <a:xfrm>
-            <a:off x="472381" y="1670050"/>
-            <a:ext cx="2901255" cy="2456392"/>
+            <a:off x="409397" y="1670050"/>
+            <a:ext cx="2514421" cy="2456392"/>
           </a:xfrm>
         </p:spPr>
         <p:txBody>
@@ -1479,8 +1479,8 @@
         </p:nvSpPr>
         <p:spPr>
           <a:xfrm>
-            <a:off x="3471863" y="1120775"/>
-            <a:ext cx="2915543" cy="549275"/>
+            <a:off x="3008948" y="1120775"/>
+            <a:ext cx="2526804" cy="549275"/>
           </a:xfrm>
         </p:spPr>
         <p:txBody>
@@ -1488,39 +1488,39 @@
           <a:lstStyle>
             <a:lvl1pPr marL="0" indent="0">
               <a:buNone/>
-              <a:defRPr sz="1600" b="1"/>
+              <a:defRPr sz="1560" b="1"/>
             </a:lvl1pPr>
-            <a:lvl2pPr marL="304815" indent="0">
+            <a:lvl2pPr marL="297180" indent="0">
               <a:buNone/>
-              <a:defRPr sz="1333" b="1"/>
+              <a:defRPr sz="1300" b="1"/>
             </a:lvl2pPr>
-            <a:lvl3pPr marL="609630" indent="0">
+            <a:lvl3pPr marL="594360" indent="0">
               <a:buNone/>
-              <a:defRPr sz="1200" b="1"/>
+              <a:defRPr sz="1170" b="1"/>
             </a:lvl3pPr>
-            <a:lvl4pPr marL="914446" indent="0">
+            <a:lvl4pPr marL="891540" indent="0">
               <a:buNone/>
-              <a:defRPr sz="1067" b="1"/>
+              <a:defRPr sz="1040" b="1"/>
             </a:lvl4pPr>
-            <a:lvl5pPr marL="1219261" indent="0">
+            <a:lvl5pPr marL="1188720" indent="0">
               <a:buNone/>
-              <a:defRPr sz="1067" b="1"/>
+              <a:defRPr sz="1040" b="1"/>
             </a:lvl5pPr>
-            <a:lvl6pPr marL="1524076" indent="0">
+            <a:lvl6pPr marL="1485900" indent="0">
               <a:buNone/>
-              <a:defRPr sz="1067" b="1"/>
+              <a:defRPr sz="1040" b="1"/>
             </a:lvl6pPr>
-            <a:lvl7pPr marL="1828891" indent="0">
+            <a:lvl7pPr marL="1783080" indent="0">
               <a:buNone/>
-              <a:defRPr sz="1067" b="1"/>
+              <a:defRPr sz="1040" b="1"/>
             </a:lvl7pPr>
-            <a:lvl8pPr marL="2133707" indent="0">
+            <a:lvl8pPr marL="2080260" indent="0">
               <a:buNone/>
-              <a:defRPr sz="1067" b="1"/>
+              <a:defRPr sz="1040" b="1"/>
             </a:lvl8pPr>
-            <a:lvl9pPr marL="2438522" indent="0">
+            <a:lvl9pPr marL="2377440" indent="0">
               <a:buNone/>
-              <a:defRPr sz="1067" b="1"/>
+              <a:defRPr sz="1040" b="1"/>
             </a:lvl9pPr>
           </a:lstStyle>
           <a:p>
@@ -1544,8 +1544,8 @@
         </p:nvSpPr>
         <p:spPr>
           <a:xfrm>
-            <a:off x="3471863" y="1670050"/>
-            <a:ext cx="2915543" cy="2456392"/>
+            <a:off x="3008948" y="1670050"/>
+            <a:ext cx="2526804" cy="2456392"/>
           </a:xfrm>
         </p:spPr>
         <p:txBody>
@@ -1606,7 +1606,7 @@
           <a:p>
             <a:fld id="{9E99647D-1C99-4C31-AAA6-6EEC540FEA86}" type="datetimeFigureOut">
               <a:rPr lang="en-US" smtClean="0"/>
-              <a:t>5/15/2023</a:t>
+              <a:t>5/16/2023</a:t>
             </a:fld>
             <a:endParaRPr lang="en-US"/>
           </a:p>
@@ -1657,7 +1657,7 @@
     </p:spTree>
     <p:extLst>
       <p:ext uri="{BB962C8B-B14F-4D97-AF65-F5344CB8AC3E}">
-        <p14:creationId xmlns:p14="http://schemas.microsoft.com/office/powerpoint/2010/main" val="4153176267"/>
+        <p14:creationId xmlns:p14="http://schemas.microsoft.com/office/powerpoint/2010/main" val="1799687024"/>
       </p:ext>
     </p:extLst>
   </p:cSld>
@@ -1724,7 +1724,7 @@
           <a:p>
             <a:fld id="{9E99647D-1C99-4C31-AAA6-6EEC540FEA86}" type="datetimeFigureOut">
               <a:rPr lang="en-US" smtClean="0"/>
-              <a:t>5/15/2023</a:t>
+              <a:t>5/16/2023</a:t>
             </a:fld>
             <a:endParaRPr lang="en-US"/>
           </a:p>
@@ -1775,7 +1775,7 @@
     </p:spTree>
     <p:extLst>
       <p:ext uri="{BB962C8B-B14F-4D97-AF65-F5344CB8AC3E}">
-        <p14:creationId xmlns:p14="http://schemas.microsoft.com/office/powerpoint/2010/main" val="1168117938"/>
+        <p14:creationId xmlns:p14="http://schemas.microsoft.com/office/powerpoint/2010/main" val="3144569509"/>
       </p:ext>
     </p:extLst>
   </p:cSld>
@@ -1819,7 +1819,7 @@
           <a:p>
             <a:fld id="{9E99647D-1C99-4C31-AAA6-6EEC540FEA86}" type="datetimeFigureOut">
               <a:rPr lang="en-US" smtClean="0"/>
-              <a:t>5/15/2023</a:t>
+              <a:t>5/16/2023</a:t>
             </a:fld>
             <a:endParaRPr lang="en-US"/>
           </a:p>
@@ -1870,7 +1870,7 @@
     </p:spTree>
     <p:extLst>
       <p:ext uri="{BB962C8B-B14F-4D97-AF65-F5344CB8AC3E}">
-        <p14:creationId xmlns:p14="http://schemas.microsoft.com/office/powerpoint/2010/main" val="3936073008"/>
+        <p14:creationId xmlns:p14="http://schemas.microsoft.com/office/powerpoint/2010/main" val="533474077"/>
       </p:ext>
     </p:extLst>
   </p:cSld>
@@ -1909,15 +1909,15 @@
         </p:nvSpPr>
         <p:spPr>
           <a:xfrm>
-            <a:off x="472381" y="304800"/>
-            <a:ext cx="2211884" cy="1066800"/>
+            <a:off x="409397" y="304800"/>
+            <a:ext cx="1916966" cy="1066800"/>
           </a:xfrm>
         </p:spPr>
         <p:txBody>
           <a:bodyPr anchor="b"/>
           <a:lstStyle>
             <a:lvl1pPr>
-              <a:defRPr sz="2133"/>
+              <a:defRPr sz="2080"/>
             </a:lvl1pPr>
           </a:lstStyle>
           <a:p>
@@ -1941,39 +1941,39 @@
         </p:nvSpPr>
         <p:spPr>
           <a:xfrm>
-            <a:off x="2915543" y="658285"/>
-            <a:ext cx="3471863" cy="3249083"/>
+            <a:off x="2526804" y="658285"/>
+            <a:ext cx="3008948" cy="3249083"/>
           </a:xfrm>
         </p:spPr>
         <p:txBody>
           <a:bodyPr/>
           <a:lstStyle>
             <a:lvl1pPr>
-              <a:defRPr sz="2133"/>
+              <a:defRPr sz="2080"/>
             </a:lvl1pPr>
             <a:lvl2pPr>
-              <a:defRPr sz="1867"/>
+              <a:defRPr sz="1820"/>
             </a:lvl2pPr>
             <a:lvl3pPr>
-              <a:defRPr sz="1600"/>
+              <a:defRPr sz="1560"/>
             </a:lvl3pPr>
             <a:lvl4pPr>
-              <a:defRPr sz="1333"/>
+              <a:defRPr sz="1300"/>
             </a:lvl4pPr>
             <a:lvl5pPr>
-              <a:defRPr sz="1333"/>
+              <a:defRPr sz="1300"/>
             </a:lvl5pPr>
             <a:lvl6pPr>
-              <a:defRPr sz="1333"/>
+              <a:defRPr sz="1300"/>
             </a:lvl6pPr>
             <a:lvl7pPr>
-              <a:defRPr sz="1333"/>
+              <a:defRPr sz="1300"/>
             </a:lvl7pPr>
             <a:lvl8pPr>
-              <a:defRPr sz="1333"/>
+              <a:defRPr sz="1300"/>
             </a:lvl8pPr>
             <a:lvl9pPr>
-              <a:defRPr sz="1333"/>
+              <a:defRPr sz="1300"/>
             </a:lvl9pPr>
           </a:lstStyle>
           <a:p>
@@ -2026,8 +2026,8 @@
         </p:nvSpPr>
         <p:spPr>
           <a:xfrm>
-            <a:off x="472381" y="1371600"/>
-            <a:ext cx="2211884" cy="2541059"/>
+            <a:off x="409397" y="1371600"/>
+            <a:ext cx="1916966" cy="2541059"/>
           </a:xfrm>
         </p:spPr>
         <p:txBody>
@@ -2035,39 +2035,39 @@
           <a:lstStyle>
             <a:lvl1pPr marL="0" indent="0">
               <a:buNone/>
-              <a:defRPr sz="1067"/>
+              <a:defRPr sz="1040"/>
             </a:lvl1pPr>
-            <a:lvl2pPr marL="304815" indent="0">
+            <a:lvl2pPr marL="297180" indent="0">
               <a:buNone/>
-              <a:defRPr sz="933"/>
+              <a:defRPr sz="910"/>
             </a:lvl2pPr>
-            <a:lvl3pPr marL="609630" indent="0">
+            <a:lvl3pPr marL="594360" indent="0">
               <a:buNone/>
-              <a:defRPr sz="800"/>
+              <a:defRPr sz="780"/>
             </a:lvl3pPr>
-            <a:lvl4pPr marL="914446" indent="0">
+            <a:lvl4pPr marL="891540" indent="0">
               <a:buNone/>
-              <a:defRPr sz="667"/>
+              <a:defRPr sz="650"/>
             </a:lvl4pPr>
-            <a:lvl5pPr marL="1219261" indent="0">
+            <a:lvl5pPr marL="1188720" indent="0">
               <a:buNone/>
-              <a:defRPr sz="667"/>
+              <a:defRPr sz="650"/>
             </a:lvl5pPr>
-            <a:lvl6pPr marL="1524076" indent="0">
+            <a:lvl6pPr marL="1485900" indent="0">
               <a:buNone/>
-              <a:defRPr sz="667"/>
+              <a:defRPr sz="650"/>
             </a:lvl6pPr>
-            <a:lvl7pPr marL="1828891" indent="0">
+            <a:lvl7pPr marL="1783080" indent="0">
               <a:buNone/>
-              <a:defRPr sz="667"/>
+              <a:defRPr sz="650"/>
             </a:lvl7pPr>
-            <a:lvl8pPr marL="2133707" indent="0">
+            <a:lvl8pPr marL="2080260" indent="0">
               <a:buNone/>
-              <a:defRPr sz="667"/>
+              <a:defRPr sz="650"/>
             </a:lvl8pPr>
-            <a:lvl9pPr marL="2438522" indent="0">
+            <a:lvl9pPr marL="2377440" indent="0">
               <a:buNone/>
-              <a:defRPr sz="667"/>
+              <a:defRPr sz="650"/>
             </a:lvl9pPr>
           </a:lstStyle>
           <a:p>
@@ -2096,7 +2096,7 @@
           <a:p>
             <a:fld id="{9E99647D-1C99-4C31-AAA6-6EEC540FEA86}" type="datetimeFigureOut">
               <a:rPr lang="en-US" smtClean="0"/>
-              <a:t>5/15/2023</a:t>
+              <a:t>5/16/2023</a:t>
             </a:fld>
             <a:endParaRPr lang="en-US"/>
           </a:p>
@@ -2147,7 +2147,7 @@
     </p:spTree>
     <p:extLst>
       <p:ext uri="{BB962C8B-B14F-4D97-AF65-F5344CB8AC3E}">
-        <p14:creationId xmlns:p14="http://schemas.microsoft.com/office/powerpoint/2010/main" val="307714867"/>
+        <p14:creationId xmlns:p14="http://schemas.microsoft.com/office/powerpoint/2010/main" val="1890510813"/>
       </p:ext>
     </p:extLst>
   </p:cSld>
@@ -2186,15 +2186,15 @@
         </p:nvSpPr>
         <p:spPr>
           <a:xfrm>
-            <a:off x="472381" y="304800"/>
-            <a:ext cx="2211884" cy="1066800"/>
+            <a:off x="409397" y="304800"/>
+            <a:ext cx="1916966" cy="1066800"/>
           </a:xfrm>
         </p:spPr>
         <p:txBody>
           <a:bodyPr anchor="b"/>
           <a:lstStyle>
             <a:lvl1pPr>
-              <a:defRPr sz="2133"/>
+              <a:defRPr sz="2080"/>
             </a:lvl1pPr>
           </a:lstStyle>
           <a:p>
@@ -2218,8 +2218,8 @@
         </p:nvSpPr>
         <p:spPr>
           <a:xfrm>
-            <a:off x="2915543" y="658285"/>
-            <a:ext cx="3471863" cy="3249083"/>
+            <a:off x="2526804" y="658285"/>
+            <a:ext cx="3008948" cy="3249083"/>
           </a:xfrm>
         </p:spPr>
         <p:txBody>
@@ -2227,39 +2227,39 @@
           <a:lstStyle>
             <a:lvl1pPr marL="0" indent="0">
               <a:buNone/>
-              <a:defRPr sz="2133"/>
+              <a:defRPr sz="2080"/>
             </a:lvl1pPr>
-            <a:lvl2pPr marL="304815" indent="0">
+            <a:lvl2pPr marL="297180" indent="0">
               <a:buNone/>
-              <a:defRPr sz="1867"/>
+              <a:defRPr sz="1820"/>
             </a:lvl2pPr>
-            <a:lvl3pPr marL="609630" indent="0">
+            <a:lvl3pPr marL="594360" indent="0">
               <a:buNone/>
-              <a:defRPr sz="1600"/>
+              <a:defRPr sz="1560"/>
             </a:lvl3pPr>
-            <a:lvl4pPr marL="914446" indent="0">
+            <a:lvl4pPr marL="891540" indent="0">
               <a:buNone/>
-              <a:defRPr sz="1333"/>
+              <a:defRPr sz="1300"/>
             </a:lvl4pPr>
-            <a:lvl5pPr marL="1219261" indent="0">
+            <a:lvl5pPr marL="1188720" indent="0">
               <a:buNone/>
-              <a:defRPr sz="1333"/>
+              <a:defRPr sz="1300"/>
             </a:lvl5pPr>
-            <a:lvl6pPr marL="1524076" indent="0">
+            <a:lvl6pPr marL="1485900" indent="0">
               <a:buNone/>
-              <a:defRPr sz="1333"/>
+              <a:defRPr sz="1300"/>
             </a:lvl6pPr>
-            <a:lvl7pPr marL="1828891" indent="0">
+            <a:lvl7pPr marL="1783080" indent="0">
               <a:buNone/>
-              <a:defRPr sz="1333"/>
+              <a:defRPr sz="1300"/>
             </a:lvl7pPr>
-            <a:lvl8pPr marL="2133707" indent="0">
+            <a:lvl8pPr marL="2080260" indent="0">
               <a:buNone/>
-              <a:defRPr sz="1333"/>
+              <a:defRPr sz="1300"/>
             </a:lvl8pPr>
-            <a:lvl9pPr marL="2438522" indent="0">
+            <a:lvl9pPr marL="2377440" indent="0">
               <a:buNone/>
-              <a:defRPr sz="1333"/>
+              <a:defRPr sz="1300"/>
             </a:lvl9pPr>
           </a:lstStyle>
           <a:p>
@@ -2283,8 +2283,8 @@
         </p:nvSpPr>
         <p:spPr>
           <a:xfrm>
-            <a:off x="472381" y="1371600"/>
-            <a:ext cx="2211884" cy="2541059"/>
+            <a:off x="409397" y="1371600"/>
+            <a:ext cx="1916966" cy="2541059"/>
           </a:xfrm>
         </p:spPr>
         <p:txBody>
@@ -2292,39 +2292,39 @@
           <a:lstStyle>
             <a:lvl1pPr marL="0" indent="0">
               <a:buNone/>
-              <a:defRPr sz="1067"/>
+              <a:defRPr sz="1040"/>
             </a:lvl1pPr>
-            <a:lvl2pPr marL="304815" indent="0">
+            <a:lvl2pPr marL="297180" indent="0">
               <a:buNone/>
-              <a:defRPr sz="933"/>
+              <a:defRPr sz="910"/>
             </a:lvl2pPr>
-            <a:lvl3pPr marL="609630" indent="0">
+            <a:lvl3pPr marL="594360" indent="0">
               <a:buNone/>
-              <a:defRPr sz="800"/>
+              <a:defRPr sz="780"/>
             </a:lvl3pPr>
-            <a:lvl4pPr marL="914446" indent="0">
+            <a:lvl4pPr marL="891540" indent="0">
               <a:buNone/>
-              <a:defRPr sz="667"/>
+              <a:defRPr sz="650"/>
             </a:lvl4pPr>
-            <a:lvl5pPr marL="1219261" indent="0">
+            <a:lvl5pPr marL="1188720" indent="0">
               <a:buNone/>
-              <a:defRPr sz="667"/>
+              <a:defRPr sz="650"/>
             </a:lvl5pPr>
-            <a:lvl6pPr marL="1524076" indent="0">
+            <a:lvl6pPr marL="1485900" indent="0">
               <a:buNone/>
-              <a:defRPr sz="667"/>
+              <a:defRPr sz="650"/>
             </a:lvl6pPr>
-            <a:lvl7pPr marL="1828891" indent="0">
+            <a:lvl7pPr marL="1783080" indent="0">
               <a:buNone/>
-              <a:defRPr sz="667"/>
+              <a:defRPr sz="650"/>
             </a:lvl7pPr>
-            <a:lvl8pPr marL="2133707" indent="0">
+            <a:lvl8pPr marL="2080260" indent="0">
               <a:buNone/>
-              <a:defRPr sz="667"/>
+              <a:defRPr sz="650"/>
             </a:lvl8pPr>
-            <a:lvl9pPr marL="2438522" indent="0">
+            <a:lvl9pPr marL="2377440" indent="0">
               <a:buNone/>
-              <a:defRPr sz="667"/>
+              <a:defRPr sz="650"/>
             </a:lvl9pPr>
           </a:lstStyle>
           <a:p>
@@ -2353,7 +2353,7 @@
           <a:p>
             <a:fld id="{9E99647D-1C99-4C31-AAA6-6EEC540FEA86}" type="datetimeFigureOut">
               <a:rPr lang="en-US" smtClean="0"/>
-              <a:t>5/15/2023</a:t>
+              <a:t>5/16/2023</a:t>
             </a:fld>
             <a:endParaRPr lang="en-US"/>
           </a:p>
@@ -2404,7 +2404,7 @@
     </p:spTree>
     <p:extLst>
       <p:ext uri="{BB962C8B-B14F-4D97-AF65-F5344CB8AC3E}">
-        <p14:creationId xmlns:p14="http://schemas.microsoft.com/office/powerpoint/2010/main" val="3279673835"/>
+        <p14:creationId xmlns:p14="http://schemas.microsoft.com/office/powerpoint/2010/main" val="803500312"/>
       </p:ext>
     </p:extLst>
   </p:cSld>
@@ -2448,8 +2448,8 @@
         </p:nvSpPr>
         <p:spPr>
           <a:xfrm>
-            <a:off x="471488" y="243418"/>
-            <a:ext cx="5915025" cy="883709"/>
+            <a:off x="408623" y="243418"/>
+            <a:ext cx="5126355" cy="883709"/>
           </a:xfrm>
           <a:prstGeom prst="rect">
             <a:avLst/>
@@ -2481,8 +2481,8 @@
         </p:nvSpPr>
         <p:spPr>
           <a:xfrm>
-            <a:off x="471488" y="1217083"/>
-            <a:ext cx="5915025" cy="2900892"/>
+            <a:off x="408623" y="1217083"/>
+            <a:ext cx="5126355" cy="2900892"/>
           </a:xfrm>
           <a:prstGeom prst="rect">
             <a:avLst/>
@@ -2543,8 +2543,8 @@
         </p:nvSpPr>
         <p:spPr>
           <a:xfrm>
-            <a:off x="471488" y="4237568"/>
-            <a:ext cx="1543050" cy="243417"/>
+            <a:off x="408623" y="4237568"/>
+            <a:ext cx="1337310" cy="243417"/>
           </a:xfrm>
           <a:prstGeom prst="rect">
             <a:avLst/>
@@ -2554,7 +2554,7 @@
           <a:bodyPr vert="horz" lIns="91440" tIns="45720" rIns="91440" bIns="45720" rtlCol="0" anchor="ctr"/>
           <a:lstStyle>
             <a:lvl1pPr algn="l">
-              <a:defRPr sz="800">
+              <a:defRPr sz="780">
                 <a:solidFill>
                   <a:schemeClr val="tx1">
                     <a:tint val="75000"/>
@@ -2566,7 +2566,7 @@
           <a:p>
             <a:fld id="{9E99647D-1C99-4C31-AAA6-6EEC540FEA86}" type="datetimeFigureOut">
               <a:rPr lang="en-US" smtClean="0"/>
-              <a:t>5/15/2023</a:t>
+              <a:t>5/16/2023</a:t>
             </a:fld>
             <a:endParaRPr lang="en-US"/>
           </a:p>
@@ -2584,8 +2584,8 @@
         </p:nvSpPr>
         <p:spPr>
           <a:xfrm>
-            <a:off x="2271713" y="4237568"/>
-            <a:ext cx="2314575" cy="243417"/>
+            <a:off x="1968818" y="4237568"/>
+            <a:ext cx="2005965" cy="243417"/>
           </a:xfrm>
           <a:prstGeom prst="rect">
             <a:avLst/>
@@ -2595,7 +2595,7 @@
           <a:bodyPr vert="horz" lIns="91440" tIns="45720" rIns="91440" bIns="45720" rtlCol="0" anchor="ctr"/>
           <a:lstStyle>
             <a:lvl1pPr algn="ctr">
-              <a:defRPr sz="800">
+              <a:defRPr sz="780">
                 <a:solidFill>
                   <a:schemeClr val="tx1">
                     <a:tint val="75000"/>
@@ -2621,8 +2621,8 @@
         </p:nvSpPr>
         <p:spPr>
           <a:xfrm>
-            <a:off x="4843463" y="4237568"/>
-            <a:ext cx="1543050" cy="243417"/>
+            <a:off x="4197668" y="4237568"/>
+            <a:ext cx="1337310" cy="243417"/>
           </a:xfrm>
           <a:prstGeom prst="rect">
             <a:avLst/>
@@ -2632,7 +2632,7 @@
           <a:bodyPr vert="horz" lIns="91440" tIns="45720" rIns="91440" bIns="45720" rtlCol="0" anchor="ctr"/>
           <a:lstStyle>
             <a:lvl1pPr algn="r">
-              <a:defRPr sz="800">
+              <a:defRPr sz="780">
                 <a:solidFill>
                   <a:schemeClr val="tx1">
                     <a:tint val="75000"/>
@@ -2653,27 +2653,27 @@
     </p:spTree>
     <p:extLst>
       <p:ext uri="{BB962C8B-B14F-4D97-AF65-F5344CB8AC3E}">
-        <p14:creationId xmlns:p14="http://schemas.microsoft.com/office/powerpoint/2010/main" val="2318036835"/>
+        <p14:creationId xmlns:p14="http://schemas.microsoft.com/office/powerpoint/2010/main" val="3378687096"/>
       </p:ext>
     </p:extLst>
   </p:cSld>
   <p:clrMap bg1="lt1" tx1="dk1" bg2="lt2" tx2="dk2" accent1="accent1" accent2="accent2" accent3="accent3" accent4="accent4" accent5="accent5" accent6="accent6" hlink="hlink" folHlink="folHlink"/>
   <p:sldLayoutIdLst>
-    <p:sldLayoutId id="2147483721" r:id="rId1"/>
-    <p:sldLayoutId id="2147483722" r:id="rId2"/>
-    <p:sldLayoutId id="2147483723" r:id="rId3"/>
-    <p:sldLayoutId id="2147483724" r:id="rId4"/>
-    <p:sldLayoutId id="2147483725" r:id="rId5"/>
-    <p:sldLayoutId id="2147483726" r:id="rId6"/>
-    <p:sldLayoutId id="2147483727" r:id="rId7"/>
-    <p:sldLayoutId id="2147483728" r:id="rId8"/>
-    <p:sldLayoutId id="2147483729" r:id="rId9"/>
-    <p:sldLayoutId id="2147483730" r:id="rId10"/>
-    <p:sldLayoutId id="2147483731" r:id="rId11"/>
+    <p:sldLayoutId id="2147483733" r:id="rId1"/>
+    <p:sldLayoutId id="2147483734" r:id="rId2"/>
+    <p:sldLayoutId id="2147483735" r:id="rId3"/>
+    <p:sldLayoutId id="2147483736" r:id="rId4"/>
+    <p:sldLayoutId id="2147483737" r:id="rId5"/>
+    <p:sldLayoutId id="2147483738" r:id="rId6"/>
+    <p:sldLayoutId id="2147483739" r:id="rId7"/>
+    <p:sldLayoutId id="2147483740" r:id="rId8"/>
+    <p:sldLayoutId id="2147483741" r:id="rId9"/>
+    <p:sldLayoutId id="2147483742" r:id="rId10"/>
+    <p:sldLayoutId id="2147483743" r:id="rId11"/>
   </p:sldLayoutIdLst>
   <p:txStyles>
     <p:titleStyle>
-      <a:lvl1pPr algn="l" defTabSz="609630" rtl="0" eaLnBrk="1" latinLnBrk="0" hangingPunct="1">
+      <a:lvl1pPr algn="l" defTabSz="594360" rtl="0" eaLnBrk="1" latinLnBrk="0" hangingPunct="1">
         <a:lnSpc>
           <a:spcPct val="90000"/>
         </a:lnSpc>
@@ -2681,7 +2681,7 @@
           <a:spcPct val="0"/>
         </a:spcBef>
         <a:buNone/>
-        <a:defRPr sz="2933" kern="1200">
+        <a:defRPr sz="2860" kern="1200">
           <a:solidFill>
             <a:schemeClr val="tx1"/>
           </a:solidFill>
@@ -2692,16 +2692,16 @@
       </a:lvl1pPr>
     </p:titleStyle>
     <p:bodyStyle>
-      <a:lvl1pPr marL="152408" indent="-152408" algn="l" defTabSz="609630" rtl="0" eaLnBrk="1" latinLnBrk="0" hangingPunct="1">
+      <a:lvl1pPr marL="148590" indent="-148590" algn="l" defTabSz="594360" rtl="0" eaLnBrk="1" latinLnBrk="0" hangingPunct="1">
         <a:lnSpc>
           <a:spcPct val="90000"/>
         </a:lnSpc>
         <a:spcBef>
-          <a:spcPts val="667"/>
+          <a:spcPts val="650"/>
         </a:spcBef>
         <a:buFont typeface="Arial" panose="020B0604020202020204" pitchFamily="34" charset="0"/>
         <a:buChar char="•"/>
-        <a:defRPr sz="1867" kern="1200">
+        <a:defRPr sz="1820" kern="1200">
           <a:solidFill>
             <a:schemeClr val="tx1"/>
           </a:solidFill>
@@ -2710,16 +2710,16 @@
           <a:cs typeface="+mn-cs"/>
         </a:defRPr>
       </a:lvl1pPr>
-      <a:lvl2pPr marL="457223" indent="-152408" algn="l" defTabSz="609630" rtl="0" eaLnBrk="1" latinLnBrk="0" hangingPunct="1">
+      <a:lvl2pPr marL="445770" indent="-148590" algn="l" defTabSz="594360" rtl="0" eaLnBrk="1" latinLnBrk="0" hangingPunct="1">
         <a:lnSpc>
           <a:spcPct val="90000"/>
         </a:lnSpc>
         <a:spcBef>
-          <a:spcPts val="333"/>
+          <a:spcPts val="325"/>
         </a:spcBef>
         <a:buFont typeface="Arial" panose="020B0604020202020204" pitchFamily="34" charset="0"/>
         <a:buChar char="•"/>
-        <a:defRPr sz="1600" kern="1200">
+        <a:defRPr sz="1560" kern="1200">
           <a:solidFill>
             <a:schemeClr val="tx1"/>
           </a:solidFill>
@@ -2728,16 +2728,16 @@
           <a:cs typeface="+mn-cs"/>
         </a:defRPr>
       </a:lvl2pPr>
-      <a:lvl3pPr marL="762038" indent="-152408" algn="l" defTabSz="609630" rtl="0" eaLnBrk="1" latinLnBrk="0" hangingPunct="1">
+      <a:lvl3pPr marL="742950" indent="-148590" algn="l" defTabSz="594360" rtl="0" eaLnBrk="1" latinLnBrk="0" hangingPunct="1">
         <a:lnSpc>
           <a:spcPct val="90000"/>
         </a:lnSpc>
         <a:spcBef>
-          <a:spcPts val="333"/>
+          <a:spcPts val="325"/>
         </a:spcBef>
         <a:buFont typeface="Arial" panose="020B0604020202020204" pitchFamily="34" charset="0"/>
         <a:buChar char="•"/>
-        <a:defRPr sz="1333" kern="1200">
+        <a:defRPr sz="1300" kern="1200">
           <a:solidFill>
             <a:schemeClr val="tx1"/>
           </a:solidFill>
@@ -2746,16 +2746,16 @@
           <a:cs typeface="+mn-cs"/>
         </a:defRPr>
       </a:lvl3pPr>
-      <a:lvl4pPr marL="1066853" indent="-152408" algn="l" defTabSz="609630" rtl="0" eaLnBrk="1" latinLnBrk="0" hangingPunct="1">
+      <a:lvl4pPr marL="1040130" indent="-148590" algn="l" defTabSz="594360" rtl="0" eaLnBrk="1" latinLnBrk="0" hangingPunct="1">
         <a:lnSpc>
           <a:spcPct val="90000"/>
         </a:lnSpc>
         <a:spcBef>
-          <a:spcPts val="333"/>
+          <a:spcPts val="325"/>
         </a:spcBef>
         <a:buFont typeface="Arial" panose="020B0604020202020204" pitchFamily="34" charset="0"/>
         <a:buChar char="•"/>
-        <a:defRPr sz="1200" kern="1200">
+        <a:defRPr sz="1170" kern="1200">
           <a:solidFill>
             <a:schemeClr val="tx1"/>
           </a:solidFill>
@@ -2764,16 +2764,16 @@
           <a:cs typeface="+mn-cs"/>
         </a:defRPr>
       </a:lvl4pPr>
-      <a:lvl5pPr marL="1371669" indent="-152408" algn="l" defTabSz="609630" rtl="0" eaLnBrk="1" latinLnBrk="0" hangingPunct="1">
+      <a:lvl5pPr marL="1337310" indent="-148590" algn="l" defTabSz="594360" rtl="0" eaLnBrk="1" latinLnBrk="0" hangingPunct="1">
         <a:lnSpc>
           <a:spcPct val="90000"/>
         </a:lnSpc>
         <a:spcBef>
-          <a:spcPts val="333"/>
+          <a:spcPts val="325"/>
         </a:spcBef>
         <a:buFont typeface="Arial" panose="020B0604020202020204" pitchFamily="34" charset="0"/>
         <a:buChar char="•"/>
-        <a:defRPr sz="1200" kern="1200">
+        <a:defRPr sz="1170" kern="1200">
           <a:solidFill>
             <a:schemeClr val="tx1"/>
           </a:solidFill>
@@ -2782,16 +2782,16 @@
           <a:cs typeface="+mn-cs"/>
         </a:defRPr>
       </a:lvl5pPr>
-      <a:lvl6pPr marL="1676484" indent="-152408" algn="l" defTabSz="609630" rtl="0" eaLnBrk="1" latinLnBrk="0" hangingPunct="1">
+      <a:lvl6pPr marL="1634490" indent="-148590" algn="l" defTabSz="594360" rtl="0" eaLnBrk="1" latinLnBrk="0" hangingPunct="1">
         <a:lnSpc>
           <a:spcPct val="90000"/>
         </a:lnSpc>
         <a:spcBef>
-          <a:spcPts val="333"/>
+          <a:spcPts val="325"/>
         </a:spcBef>
         <a:buFont typeface="Arial" panose="020B0604020202020204" pitchFamily="34" charset="0"/>
         <a:buChar char="•"/>
-        <a:defRPr sz="1200" kern="1200">
+        <a:defRPr sz="1170" kern="1200">
           <a:solidFill>
             <a:schemeClr val="tx1"/>
           </a:solidFill>
@@ -2800,16 +2800,16 @@
           <a:cs typeface="+mn-cs"/>
         </a:defRPr>
       </a:lvl6pPr>
-      <a:lvl7pPr marL="1981299" indent="-152408" algn="l" defTabSz="609630" rtl="0" eaLnBrk="1" latinLnBrk="0" hangingPunct="1">
+      <a:lvl7pPr marL="1931670" indent="-148590" algn="l" defTabSz="594360" rtl="0" eaLnBrk="1" latinLnBrk="0" hangingPunct="1">
         <a:lnSpc>
           <a:spcPct val="90000"/>
         </a:lnSpc>
         <a:spcBef>
-          <a:spcPts val="333"/>
+          <a:spcPts val="325"/>
         </a:spcBef>
         <a:buFont typeface="Arial" panose="020B0604020202020204" pitchFamily="34" charset="0"/>
         <a:buChar char="•"/>
-        <a:defRPr sz="1200" kern="1200">
+        <a:defRPr sz="1170" kern="1200">
           <a:solidFill>
             <a:schemeClr val="tx1"/>
           </a:solidFill>
@@ -2818,16 +2818,16 @@
           <a:cs typeface="+mn-cs"/>
         </a:defRPr>
       </a:lvl7pPr>
-      <a:lvl8pPr marL="2286114" indent="-152408" algn="l" defTabSz="609630" rtl="0" eaLnBrk="1" latinLnBrk="0" hangingPunct="1">
+      <a:lvl8pPr marL="2228850" indent="-148590" algn="l" defTabSz="594360" rtl="0" eaLnBrk="1" latinLnBrk="0" hangingPunct="1">
         <a:lnSpc>
           <a:spcPct val="90000"/>
         </a:lnSpc>
         <a:spcBef>
-          <a:spcPts val="333"/>
+          <a:spcPts val="325"/>
         </a:spcBef>
         <a:buFont typeface="Arial" panose="020B0604020202020204" pitchFamily="34" charset="0"/>
         <a:buChar char="•"/>
-        <a:defRPr sz="1200" kern="1200">
+        <a:defRPr sz="1170" kern="1200">
           <a:solidFill>
             <a:schemeClr val="tx1"/>
           </a:solidFill>
@@ -2836,16 +2836,16 @@
           <a:cs typeface="+mn-cs"/>
         </a:defRPr>
       </a:lvl8pPr>
-      <a:lvl9pPr marL="2590930" indent="-152408" algn="l" defTabSz="609630" rtl="0" eaLnBrk="1" latinLnBrk="0" hangingPunct="1">
+      <a:lvl9pPr marL="2526030" indent="-148590" algn="l" defTabSz="594360" rtl="0" eaLnBrk="1" latinLnBrk="0" hangingPunct="1">
         <a:lnSpc>
           <a:spcPct val="90000"/>
         </a:lnSpc>
         <a:spcBef>
-          <a:spcPts val="333"/>
+          <a:spcPts val="325"/>
         </a:spcBef>
         <a:buFont typeface="Arial" panose="020B0604020202020204" pitchFamily="34" charset="0"/>
         <a:buChar char="•"/>
-        <a:defRPr sz="1200" kern="1200">
+        <a:defRPr sz="1170" kern="1200">
           <a:solidFill>
             <a:schemeClr val="tx1"/>
           </a:solidFill>
@@ -2859,8 +2859,8 @@
       <a:defPPr>
         <a:defRPr lang="en-US"/>
       </a:defPPr>
-      <a:lvl1pPr marL="0" algn="l" defTabSz="609630" rtl="0" eaLnBrk="1" latinLnBrk="0" hangingPunct="1">
-        <a:defRPr sz="1200" kern="1200">
+      <a:lvl1pPr marL="0" algn="l" defTabSz="594360" rtl="0" eaLnBrk="1" latinLnBrk="0" hangingPunct="1">
+        <a:defRPr sz="1170" kern="1200">
           <a:solidFill>
             <a:schemeClr val="tx1"/>
           </a:solidFill>
@@ -2869,8 +2869,8 @@
           <a:cs typeface="+mn-cs"/>
         </a:defRPr>
       </a:lvl1pPr>
-      <a:lvl2pPr marL="304815" algn="l" defTabSz="609630" rtl="0" eaLnBrk="1" latinLnBrk="0" hangingPunct="1">
-        <a:defRPr sz="1200" kern="1200">
+      <a:lvl2pPr marL="297180" algn="l" defTabSz="594360" rtl="0" eaLnBrk="1" latinLnBrk="0" hangingPunct="1">
+        <a:defRPr sz="1170" kern="1200">
           <a:solidFill>
             <a:schemeClr val="tx1"/>
           </a:solidFill>
@@ -2879,8 +2879,8 @@
           <a:cs typeface="+mn-cs"/>
         </a:defRPr>
       </a:lvl2pPr>
-      <a:lvl3pPr marL="609630" algn="l" defTabSz="609630" rtl="0" eaLnBrk="1" latinLnBrk="0" hangingPunct="1">
-        <a:defRPr sz="1200" kern="1200">
+      <a:lvl3pPr marL="594360" algn="l" defTabSz="594360" rtl="0" eaLnBrk="1" latinLnBrk="0" hangingPunct="1">
+        <a:defRPr sz="1170" kern="1200">
           <a:solidFill>
             <a:schemeClr val="tx1"/>
           </a:solidFill>
@@ -2889,8 +2889,8 @@
           <a:cs typeface="+mn-cs"/>
         </a:defRPr>
       </a:lvl3pPr>
-      <a:lvl4pPr marL="914446" algn="l" defTabSz="609630" rtl="0" eaLnBrk="1" latinLnBrk="0" hangingPunct="1">
-        <a:defRPr sz="1200" kern="1200">
+      <a:lvl4pPr marL="891540" algn="l" defTabSz="594360" rtl="0" eaLnBrk="1" latinLnBrk="0" hangingPunct="1">
+        <a:defRPr sz="1170" kern="1200">
           <a:solidFill>
             <a:schemeClr val="tx1"/>
           </a:solidFill>
@@ -2899,8 +2899,8 @@
           <a:cs typeface="+mn-cs"/>
         </a:defRPr>
       </a:lvl4pPr>
-      <a:lvl5pPr marL="1219261" algn="l" defTabSz="609630" rtl="0" eaLnBrk="1" latinLnBrk="0" hangingPunct="1">
-        <a:defRPr sz="1200" kern="1200">
+      <a:lvl5pPr marL="1188720" algn="l" defTabSz="594360" rtl="0" eaLnBrk="1" latinLnBrk="0" hangingPunct="1">
+        <a:defRPr sz="1170" kern="1200">
           <a:solidFill>
             <a:schemeClr val="tx1"/>
           </a:solidFill>
@@ -2909,8 +2909,8 @@
           <a:cs typeface="+mn-cs"/>
         </a:defRPr>
       </a:lvl5pPr>
-      <a:lvl6pPr marL="1524076" algn="l" defTabSz="609630" rtl="0" eaLnBrk="1" latinLnBrk="0" hangingPunct="1">
-        <a:defRPr sz="1200" kern="1200">
+      <a:lvl6pPr marL="1485900" algn="l" defTabSz="594360" rtl="0" eaLnBrk="1" latinLnBrk="0" hangingPunct="1">
+        <a:defRPr sz="1170" kern="1200">
           <a:solidFill>
             <a:schemeClr val="tx1"/>
           </a:solidFill>
@@ -2919,8 +2919,8 @@
           <a:cs typeface="+mn-cs"/>
         </a:defRPr>
       </a:lvl6pPr>
-      <a:lvl7pPr marL="1828891" algn="l" defTabSz="609630" rtl="0" eaLnBrk="1" latinLnBrk="0" hangingPunct="1">
-        <a:defRPr sz="1200" kern="1200">
+      <a:lvl7pPr marL="1783080" algn="l" defTabSz="594360" rtl="0" eaLnBrk="1" latinLnBrk="0" hangingPunct="1">
+        <a:defRPr sz="1170" kern="1200">
           <a:solidFill>
             <a:schemeClr val="tx1"/>
           </a:solidFill>
@@ -2929,8 +2929,8 @@
           <a:cs typeface="+mn-cs"/>
         </a:defRPr>
       </a:lvl7pPr>
-      <a:lvl8pPr marL="2133707" algn="l" defTabSz="609630" rtl="0" eaLnBrk="1" latinLnBrk="0" hangingPunct="1">
-        <a:defRPr sz="1200" kern="1200">
+      <a:lvl8pPr marL="2080260" algn="l" defTabSz="594360" rtl="0" eaLnBrk="1" latinLnBrk="0" hangingPunct="1">
+        <a:defRPr sz="1170" kern="1200">
           <a:solidFill>
             <a:schemeClr val="tx1"/>
           </a:solidFill>
@@ -2939,8 +2939,8 @@
           <a:cs typeface="+mn-cs"/>
         </a:defRPr>
       </a:lvl8pPr>
-      <a:lvl9pPr marL="2438522" algn="l" defTabSz="609630" rtl="0" eaLnBrk="1" latinLnBrk="0" hangingPunct="1">
-        <a:defRPr sz="1200" kern="1200">
+      <a:lvl9pPr marL="2377440" algn="l" defTabSz="594360" rtl="0" eaLnBrk="1" latinLnBrk="0" hangingPunct="1">
+        <a:defRPr sz="1170" kern="1200">
           <a:solidFill>
             <a:schemeClr val="tx1"/>
           </a:solidFill>
@@ -2987,8 +2987,8 @@
         </p:nvSpPr>
         <p:spPr>
           <a:xfrm>
-            <a:off x="0" y="61630"/>
-            <a:ext cx="6858000" cy="219612"/>
+            <a:off x="0" y="107798"/>
+            <a:ext cx="5943600" cy="261610"/>
           </a:xfrm>
           <a:prstGeom prst="rect">
             <a:avLst/>
@@ -3003,23 +3003,12 @@
           <a:p>
             <a:pPr algn="ctr"/>
             <a:r>
-              <a:rPr lang="en-US" sz="827" dirty="0">
+              <a:rPr lang="en-US" sz="1100" dirty="0">
                 <a:latin typeface="Times New Roman" panose="02020603050405020304" pitchFamily="18" charset="0"/>
                 <a:cs typeface="Times New Roman" panose="02020603050405020304" pitchFamily="18" charset="0"/>
               </a:rPr>
-              <a:t>Table S2.7: Standardization of </a:t>
+              <a:t>Table S2.7: Standardization of district names.</a:t>
             </a:r>
-            <a:r>
-              <a:rPr lang="en-US" sz="827">
-                <a:latin typeface="Times New Roman" panose="02020603050405020304" pitchFamily="18" charset="0"/>
-                <a:cs typeface="Times New Roman" panose="02020603050405020304" pitchFamily="18" charset="0"/>
-              </a:rPr>
-              <a:t>district names.</a:t>
-            </a:r>
-            <a:endParaRPr lang="en-US" sz="827" dirty="0">
-              <a:latin typeface="Times New Roman" panose="02020603050405020304" pitchFamily="18" charset="0"/>
-              <a:cs typeface="Times New Roman" panose="02020603050405020304" pitchFamily="18" charset="0"/>
-            </a:endParaRPr>
           </a:p>
         </p:txBody>
       </p:sp>
@@ -3038,14 +3027,14 @@
           <p:nvPr>
             <p:extLst>
               <p:ext uri="{D42A27DB-BD31-4B8C-83A1-F6EECF244321}">
-                <p14:modId xmlns:p14="http://schemas.microsoft.com/office/powerpoint/2010/main" val="4016274844"/>
+                <p14:modId xmlns:p14="http://schemas.microsoft.com/office/powerpoint/2010/main" val="3414086248"/>
               </p:ext>
             </p:extLst>
           </p:nvPr>
         </p:nvGraphicFramePr>
         <p:xfrm>
-          <a:off x="471487" y="390524"/>
-          <a:ext cx="5915026" cy="4086240"/>
+          <a:off x="0" y="449742"/>
+          <a:ext cx="5943600" cy="4114800"/>
         </p:xfrm>
         <a:graphic>
           <a:graphicData uri="http://schemas.openxmlformats.org/drawingml/2006/table">
@@ -3054,14 +3043,14 @@
                 <a:tableStyleId>{5C22544A-7EE6-4342-B048-85BDC9FD1C3A}</a:tableStyleId>
               </a:tblPr>
               <a:tblGrid>
-                <a:gridCol w="2957513">
+                <a:gridCol w="2971800">
                   <a:extLst>
                     <a:ext uri="{9D8B030D-6E8A-4147-A177-3AD203B41FA5}">
                       <a16:colId xmlns:a16="http://schemas.microsoft.com/office/drawing/2014/main" val="884370071"/>
                     </a:ext>
                   </a:extLst>
                 </a:gridCol>
-                <a:gridCol w="2957513">
+                <a:gridCol w="2971800">
                   <a:extLst>
                     <a:ext uri="{9D8B030D-6E8A-4147-A177-3AD203B41FA5}">
                       <a16:colId xmlns:a16="http://schemas.microsoft.com/office/drawing/2014/main" val="2689372566"/>
@@ -3069,7 +3058,7 @@
                   </a:extLst>
                 </a:gridCol>
               </a:tblGrid>
-              <a:tr h="136208">
+              <a:tr h="133813">
                 <a:tc>
                   <a:txBody>
                     <a:bodyPr/>
@@ -3084,7 +3073,7 @@
                         </a:spcAft>
                       </a:pPr>
                       <a:r>
-                        <a:rPr lang="en-US" sz="800" b="1" strike="noStrike" dirty="0">
+                        <a:rPr lang="en-US" sz="900" b="1" strike="noStrike" dirty="0">
                           <a:effectLst/>
                           <a:latin typeface="Times New Roman" panose="02020603050405020304" pitchFamily="18" charset="0"/>
                           <a:ea typeface="Tahoma" panose="020B0604030504040204" pitchFamily="34" charset="0"/>
@@ -3094,7 +3083,7 @@
                       </a:r>
                     </a:p>
                   </a:txBody>
-                  <a:tcPr marL="28575" marR="28575" marT="0" marB="0" anchor="ctr">
+                  <a:tcPr marL="24765" marR="24765" marT="0" marB="0" anchor="ctr">
                     <a:lnL w="12700" cmpd="sng">
                       <a:noFill/>
                     </a:lnL>
@@ -3150,7 +3139,7 @@
                         </a:spcAft>
                       </a:pPr>
                       <a:r>
-                        <a:rPr lang="en-US" sz="800" b="1" strike="noStrike" dirty="0">
+                        <a:rPr lang="en-US" sz="900" b="1" strike="noStrike" dirty="0">
                           <a:effectLst/>
                           <a:latin typeface="Times New Roman" panose="02020603050405020304" pitchFamily="18" charset="0"/>
                           <a:ea typeface="Tahoma" panose="020B0604030504040204" pitchFamily="34" charset="0"/>
@@ -3160,7 +3149,7 @@
                       </a:r>
                     </a:p>
                   </a:txBody>
-                  <a:tcPr marL="28575" marR="28575" marT="0" marB="0" anchor="ctr">
+                  <a:tcPr marL="24765" marR="24765" marT="0" marB="0" anchor="ctr">
                     <a:lnL w="12700" cap="flat" cmpd="sng" algn="ctr">
                       <a:noFill/>
                       <a:prstDash val="solid"/>
@@ -3208,7 +3197,7 @@
                   </a:ext>
                 </a:extLst>
               </a:tr>
-              <a:tr h="136208">
+              <a:tr h="133813">
                 <a:tc>
                   <a:txBody>
                     <a:bodyPr/>
@@ -3223,7 +3212,7 @@
                         </a:spcAft>
                       </a:pPr>
                       <a:r>
-                        <a:rPr lang="en-US" sz="800" dirty="0" err="1">
+                        <a:rPr lang="en-US" sz="900" dirty="0" err="1">
                           <a:effectLst/>
                           <a:latin typeface="Times New Roman" panose="02020603050405020304" pitchFamily="18" charset="0"/>
                           <a:ea typeface="Cambria" panose="02040503050406030204" pitchFamily="18" charset="0"/>
@@ -3231,7 +3220,7 @@
                         </a:rPr>
                         <a:t>Ambatoboeny</a:t>
                       </a:r>
-                      <a:endParaRPr lang="en-US" sz="800" dirty="0">
+                      <a:endParaRPr lang="en-US" sz="900" dirty="0">
                         <a:effectLst/>
                         <a:latin typeface="Times New Roman" panose="02020603050405020304" pitchFamily="18" charset="0"/>
                         <a:ea typeface="Cambria" panose="02040503050406030204" pitchFamily="18" charset="0"/>
@@ -3239,7 +3228,7 @@
                       </a:endParaRPr>
                     </a:p>
                   </a:txBody>
-                  <a:tcPr marL="28575" marR="28575" marT="0" marB="0" anchor="ctr">
+                  <a:tcPr marL="24765" marR="24765" marT="0" marB="0" anchor="ctr">
                     <a:lnL w="12700" cmpd="sng">
                       <a:noFill/>
                     </a:lnL>
@@ -3293,7 +3282,7 @@
                         </a:spcAft>
                       </a:pPr>
                       <a:r>
-                        <a:rPr lang="en-US" sz="800">
+                        <a:rPr lang="en-US" sz="900">
                           <a:effectLst/>
                           <a:latin typeface="Times New Roman" panose="02020603050405020304" pitchFamily="18" charset="0"/>
                           <a:ea typeface="Cambria" panose="02040503050406030204" pitchFamily="18" charset="0"/>
@@ -3303,7 +3292,7 @@
                       </a:r>
                     </a:p>
                   </a:txBody>
-                  <a:tcPr marL="28575" marR="28575" marT="0" marB="0" anchor="ctr">
+                  <a:tcPr marL="24765" marR="24765" marT="0" marB="0" anchor="ctr">
                     <a:lnL w="12700" cap="flat" cmpd="sng" algn="ctr">
                       <a:noFill/>
                       <a:prstDash val="solid"/>
@@ -3349,7 +3338,7 @@
                   </a:ext>
                 </a:extLst>
               </a:tr>
-              <a:tr h="136208">
+              <a:tr h="133813">
                 <a:tc>
                   <a:txBody>
                     <a:bodyPr/>
@@ -3364,7 +3353,7 @@
                         </a:spcAft>
                       </a:pPr>
                       <a:r>
-                        <a:rPr lang="en-US" sz="800">
+                        <a:rPr lang="en-US" sz="900">
                           <a:effectLst/>
                           <a:latin typeface="Times New Roman" panose="02020603050405020304" pitchFamily="18" charset="0"/>
                           <a:ea typeface="Cambria" panose="02040503050406030204" pitchFamily="18" charset="0"/>
@@ -3374,7 +3363,7 @@
                       </a:r>
                     </a:p>
                   </a:txBody>
-                  <a:tcPr marL="28575" marR="28575" marT="0" marB="0" anchor="ctr">
+                  <a:tcPr marL="24765" marR="24765" marT="0" marB="0" anchor="ctr">
                     <a:lnL w="12700" cmpd="sng">
                       <a:noFill/>
                     </a:lnL>
@@ -3426,7 +3415,7 @@
                         </a:spcAft>
                       </a:pPr>
                       <a:r>
-                        <a:rPr lang="en-US" sz="800" dirty="0" err="1">
+                        <a:rPr lang="en-US" sz="900" dirty="0" err="1">
                           <a:effectLst/>
                           <a:latin typeface="Times New Roman" panose="02020603050405020304" pitchFamily="18" charset="0"/>
                           <a:ea typeface="Cambria" panose="02040503050406030204" pitchFamily="18" charset="0"/>
@@ -3434,7 +3423,7 @@
                         </a:rPr>
                         <a:t>Amboasary-Atsimo</a:t>
                       </a:r>
-                      <a:endParaRPr lang="en-US" sz="800" dirty="0">
+                      <a:endParaRPr lang="en-US" sz="900" dirty="0">
                         <a:effectLst/>
                         <a:latin typeface="Times New Roman" panose="02020603050405020304" pitchFamily="18" charset="0"/>
                         <a:ea typeface="Cambria" panose="02040503050406030204" pitchFamily="18" charset="0"/>
@@ -3442,7 +3431,7 @@
                       </a:endParaRPr>
                     </a:p>
                   </a:txBody>
-                  <a:tcPr marL="28575" marR="28575" marT="0" marB="0" anchor="ctr">
+                  <a:tcPr marL="24765" marR="24765" marT="0" marB="0" anchor="ctr">
                     <a:lnL w="12700" cap="flat" cmpd="sng" algn="ctr">
                       <a:noFill/>
                       <a:prstDash val="solid"/>
@@ -3486,7 +3475,7 @@
                   </a:ext>
                 </a:extLst>
               </a:tr>
-              <a:tr h="136208">
+              <a:tr h="133813">
                 <a:tc>
                   <a:txBody>
                     <a:bodyPr/>
@@ -3501,7 +3490,7 @@
                         </a:spcAft>
                       </a:pPr>
                       <a:r>
-                        <a:rPr lang="en-US" sz="800">
+                        <a:rPr lang="en-US" sz="900">
                           <a:effectLst/>
                           <a:latin typeface="Times New Roman" panose="02020603050405020304" pitchFamily="18" charset="0"/>
                           <a:ea typeface="Cambria" panose="02040503050406030204" pitchFamily="18" charset="0"/>
@@ -3511,7 +3500,7 @@
                       </a:r>
                     </a:p>
                   </a:txBody>
-                  <a:tcPr marL="28575" marR="28575" marT="0" marB="0" anchor="ctr">
+                  <a:tcPr marL="24765" marR="24765" marT="0" marB="0" anchor="ctr">
                     <a:lnL w="12700" cmpd="sng">
                       <a:noFill/>
                     </a:lnL>
@@ -3563,7 +3552,7 @@
                         </a:spcAft>
                       </a:pPr>
                       <a:r>
-                        <a:rPr lang="en-US" sz="800">
+                        <a:rPr lang="en-US" sz="900">
                           <a:effectLst/>
                           <a:latin typeface="Times New Roman" panose="02020603050405020304" pitchFamily="18" charset="0"/>
                           <a:ea typeface="Cambria" panose="02040503050406030204" pitchFamily="18" charset="0"/>
@@ -3573,7 +3562,7 @@
                       </a:r>
                     </a:p>
                   </a:txBody>
-                  <a:tcPr marL="28575" marR="28575" marT="0" marB="0" anchor="ctr">
+                  <a:tcPr marL="24765" marR="24765" marT="0" marB="0" anchor="ctr">
                     <a:lnL w="12700" cap="flat" cmpd="sng" algn="ctr">
                       <a:noFill/>
                       <a:prstDash val="solid"/>
@@ -3617,7 +3606,7 @@
                   </a:ext>
                 </a:extLst>
               </a:tr>
-              <a:tr h="136208">
+              <a:tr h="133813">
                 <a:tc>
                   <a:txBody>
                     <a:bodyPr/>
@@ -3632,7 +3621,7 @@
                         </a:spcAft>
                       </a:pPr>
                       <a:r>
-                        <a:rPr lang="en-US" sz="800" dirty="0" err="1">
+                        <a:rPr lang="en-US" sz="900" dirty="0" err="1">
                           <a:effectLst/>
                           <a:latin typeface="Times New Roman" panose="02020603050405020304" pitchFamily="18" charset="0"/>
                           <a:ea typeface="Cambria" panose="02040503050406030204" pitchFamily="18" charset="0"/>
@@ -3641,7 +3630,7 @@
                         <a:t>Ankazoabo</a:t>
                       </a:r>
                       <a:r>
-                        <a:rPr lang="en-US" sz="800" dirty="0">
+                        <a:rPr lang="en-US" sz="900" dirty="0">
                           <a:effectLst/>
                           <a:latin typeface="Times New Roman" panose="02020603050405020304" pitchFamily="18" charset="0"/>
                           <a:ea typeface="Cambria" panose="02040503050406030204" pitchFamily="18" charset="0"/>
@@ -3650,7 +3639,7 @@
                         <a:t> </a:t>
                       </a:r>
                       <a:r>
-                        <a:rPr lang="en-US" sz="800" dirty="0" err="1">
+                        <a:rPr lang="en-US" sz="900" dirty="0" err="1">
                           <a:effectLst/>
                           <a:latin typeface="Times New Roman" panose="02020603050405020304" pitchFamily="18" charset="0"/>
                           <a:ea typeface="Cambria" panose="02040503050406030204" pitchFamily="18" charset="0"/>
@@ -3658,7 +3647,7 @@
                         </a:rPr>
                         <a:t>Atsimo</a:t>
                       </a:r>
-                      <a:endParaRPr lang="en-US" sz="800" dirty="0">
+                      <a:endParaRPr lang="en-US" sz="900" dirty="0">
                         <a:effectLst/>
                         <a:latin typeface="Times New Roman" panose="02020603050405020304" pitchFamily="18" charset="0"/>
                         <a:ea typeface="Cambria" panose="02040503050406030204" pitchFamily="18" charset="0"/>
@@ -3666,7 +3655,7 @@
                       </a:endParaRPr>
                     </a:p>
                   </a:txBody>
-                  <a:tcPr marL="28575" marR="28575" marT="0" marB="0" anchor="ctr">
+                  <a:tcPr marL="24765" marR="24765" marT="0" marB="0" anchor="ctr">
                     <a:lnL w="12700" cmpd="sng">
                       <a:noFill/>
                     </a:lnL>
@@ -3718,7 +3707,7 @@
                         </a:spcAft>
                       </a:pPr>
                       <a:r>
-                        <a:rPr lang="en-US" sz="800" dirty="0" err="1">
+                        <a:rPr lang="en-US" sz="900" dirty="0" err="1">
                           <a:effectLst/>
                           <a:latin typeface="Times New Roman" panose="02020603050405020304" pitchFamily="18" charset="0"/>
                           <a:ea typeface="Cambria" panose="02040503050406030204" pitchFamily="18" charset="0"/>
@@ -3726,7 +3715,7 @@
                         </a:rPr>
                         <a:t>Ankazoabo</a:t>
                       </a:r>
-                      <a:endParaRPr lang="en-US" sz="800" dirty="0">
+                      <a:endParaRPr lang="en-US" sz="900" dirty="0">
                         <a:effectLst/>
                         <a:latin typeface="Times New Roman" panose="02020603050405020304" pitchFamily="18" charset="0"/>
                         <a:ea typeface="Cambria" panose="02040503050406030204" pitchFamily="18" charset="0"/>
@@ -3734,7 +3723,7 @@
                       </a:endParaRPr>
                     </a:p>
                   </a:txBody>
-                  <a:tcPr marL="28575" marR="28575" marT="0" marB="0" anchor="ctr">
+                  <a:tcPr marL="24765" marR="24765" marT="0" marB="0" anchor="ctr">
                     <a:lnL w="12700" cap="flat" cmpd="sng" algn="ctr">
                       <a:noFill/>
                       <a:prstDash val="solid"/>
@@ -3778,7 +3767,7 @@
                   </a:ext>
                 </a:extLst>
               </a:tr>
-              <a:tr h="136208">
+              <a:tr h="133813">
                 <a:tc>
                   <a:txBody>
                     <a:bodyPr/>
@@ -3793,7 +3782,7 @@
                         </a:spcAft>
                       </a:pPr>
                       <a:r>
-                        <a:rPr lang="en-US" sz="800">
+                        <a:rPr lang="en-US" sz="900">
                           <a:effectLst/>
                           <a:latin typeface="Times New Roman" panose="02020603050405020304" pitchFamily="18" charset="0"/>
                           <a:ea typeface="Cambria" panose="02040503050406030204" pitchFamily="18" charset="0"/>
@@ -3803,7 +3792,7 @@
                       </a:r>
                     </a:p>
                   </a:txBody>
-                  <a:tcPr marL="28575" marR="28575" marT="0" marB="0" anchor="ctr">
+                  <a:tcPr marL="24765" marR="24765" marT="0" marB="0" anchor="ctr">
                     <a:lnL w="12700" cmpd="sng">
                       <a:noFill/>
                     </a:lnL>
@@ -3855,7 +3844,7 @@
                         </a:spcAft>
                       </a:pPr>
                       <a:r>
-                        <a:rPr lang="en-US" sz="800">
+                        <a:rPr lang="en-US" sz="900">
                           <a:effectLst/>
                           <a:latin typeface="Times New Roman" panose="02020603050405020304" pitchFamily="18" charset="0"/>
                           <a:ea typeface="Cambria" panose="02040503050406030204" pitchFamily="18" charset="0"/>
@@ -3865,7 +3854,7 @@
                       </a:r>
                     </a:p>
                   </a:txBody>
-                  <a:tcPr marL="28575" marR="28575" marT="0" marB="0" anchor="ctr">
+                  <a:tcPr marL="24765" marR="24765" marT="0" marB="0" anchor="ctr">
                     <a:lnL w="12700" cap="flat" cmpd="sng" algn="ctr">
                       <a:noFill/>
                       <a:prstDash val="solid"/>
@@ -3909,7 +3898,7 @@
                   </a:ext>
                 </a:extLst>
               </a:tr>
-              <a:tr h="136208">
+              <a:tr h="133813">
                 <a:tc>
                   <a:txBody>
                     <a:bodyPr/>
@@ -3924,7 +3913,7 @@
                         </a:spcAft>
                       </a:pPr>
                       <a:r>
-                        <a:rPr lang="en-US" sz="800">
+                        <a:rPr lang="en-US" sz="900">
                           <a:effectLst/>
                           <a:latin typeface="Times New Roman" panose="02020603050405020304" pitchFamily="18" charset="0"/>
                           <a:ea typeface="Cambria" panose="02040503050406030204" pitchFamily="18" charset="0"/>
@@ -3934,7 +3923,7 @@
                       </a:r>
                     </a:p>
                   </a:txBody>
-                  <a:tcPr marL="28575" marR="28575" marT="0" marB="0" anchor="ctr">
+                  <a:tcPr marL="24765" marR="24765" marT="0" marB="0" anchor="ctr">
                     <a:lnL w="12700" cmpd="sng">
                       <a:noFill/>
                     </a:lnL>
@@ -3986,7 +3975,7 @@
                         </a:spcAft>
                       </a:pPr>
                       <a:r>
-                        <a:rPr lang="en-US" sz="800">
+                        <a:rPr lang="en-US" sz="900">
                           <a:effectLst/>
                           <a:latin typeface="Times New Roman" panose="02020603050405020304" pitchFamily="18" charset="0"/>
                           <a:ea typeface="Cambria" panose="02040503050406030204" pitchFamily="18" charset="0"/>
@@ -3996,7 +3985,7 @@
                       </a:r>
                     </a:p>
                   </a:txBody>
-                  <a:tcPr marL="28575" marR="28575" marT="0" marB="0" anchor="ctr">
+                  <a:tcPr marL="24765" marR="24765" marT="0" marB="0" anchor="ctr">
                     <a:lnL w="12700" cap="flat" cmpd="sng" algn="ctr">
                       <a:noFill/>
                       <a:prstDash val="solid"/>
@@ -4040,7 +4029,7 @@
                   </a:ext>
                 </a:extLst>
               </a:tr>
-              <a:tr h="136208">
+              <a:tr h="133813">
                 <a:tc>
                   <a:txBody>
                     <a:bodyPr/>
@@ -4055,7 +4044,7 @@
                         </a:spcAft>
                       </a:pPr>
                       <a:r>
-                        <a:rPr lang="en-US" sz="800">
+                        <a:rPr lang="en-US" sz="900">
                           <a:effectLst/>
                           <a:latin typeface="Times New Roman" panose="02020603050405020304" pitchFamily="18" charset="0"/>
                           <a:ea typeface="Cambria" panose="02040503050406030204" pitchFamily="18" charset="0"/>
@@ -4065,7 +4054,7 @@
                       </a:r>
                     </a:p>
                   </a:txBody>
-                  <a:tcPr marL="28575" marR="28575" marT="0" marB="0" anchor="ctr">
+                  <a:tcPr marL="24765" marR="24765" marT="0" marB="0" anchor="ctr">
                     <a:lnL w="12700" cmpd="sng">
                       <a:noFill/>
                     </a:lnL>
@@ -4117,7 +4106,7 @@
                         </a:spcAft>
                       </a:pPr>
                       <a:r>
-                        <a:rPr lang="en-US" sz="800">
+                        <a:rPr lang="en-US" sz="900">
                           <a:effectLst/>
                           <a:latin typeface="Times New Roman" panose="02020603050405020304" pitchFamily="18" charset="0"/>
                           <a:ea typeface="Cambria" panose="02040503050406030204" pitchFamily="18" charset="0"/>
@@ -4127,7 +4116,7 @@
                       </a:r>
                     </a:p>
                   </a:txBody>
-                  <a:tcPr marL="28575" marR="28575" marT="0" marB="0" anchor="ctr">
+                  <a:tcPr marL="24765" marR="24765" marT="0" marB="0" anchor="ctr">
                     <a:lnL w="12700" cap="flat" cmpd="sng" algn="ctr">
                       <a:noFill/>
                       <a:prstDash val="solid"/>
@@ -4171,7 +4160,7 @@
                   </a:ext>
                 </a:extLst>
               </a:tr>
-              <a:tr h="136208">
+              <a:tr h="133813">
                 <a:tc>
                   <a:txBody>
                     <a:bodyPr/>
@@ -4186,7 +4175,7 @@
                         </a:spcAft>
                       </a:pPr>
                       <a:r>
-                        <a:rPr lang="en-US" sz="800">
+                        <a:rPr lang="en-US" sz="900">
                           <a:effectLst/>
                           <a:latin typeface="Times New Roman" panose="02020603050405020304" pitchFamily="18" charset="0"/>
                           <a:ea typeface="Cambria" panose="02040503050406030204" pitchFamily="18" charset="0"/>
@@ -4196,7 +4185,7 @@
                       </a:r>
                     </a:p>
                   </a:txBody>
-                  <a:tcPr marL="28575" marR="28575" marT="0" marB="0" anchor="ctr">
+                  <a:tcPr marL="24765" marR="24765" marT="0" marB="0" anchor="ctr">
                     <a:lnL w="12700" cmpd="sng">
                       <a:noFill/>
                     </a:lnL>
@@ -4248,7 +4237,7 @@
                         </a:spcAft>
                       </a:pPr>
                       <a:r>
-                        <a:rPr lang="en-US" sz="800">
+                        <a:rPr lang="en-US" sz="900">
                           <a:effectLst/>
                           <a:latin typeface="Times New Roman" panose="02020603050405020304" pitchFamily="18" charset="0"/>
                           <a:ea typeface="Cambria" panose="02040503050406030204" pitchFamily="18" charset="0"/>
@@ -4258,7 +4247,7 @@
                       </a:r>
                     </a:p>
                   </a:txBody>
-                  <a:tcPr marL="28575" marR="28575" marT="0" marB="0" anchor="ctr">
+                  <a:tcPr marL="24765" marR="24765" marT="0" marB="0" anchor="ctr">
                     <a:lnL w="12700" cap="flat" cmpd="sng" algn="ctr">
                       <a:noFill/>
                       <a:prstDash val="solid"/>
@@ -4302,7 +4291,7 @@
                   </a:ext>
                 </a:extLst>
               </a:tr>
-              <a:tr h="136208">
+              <a:tr h="133813">
                 <a:tc>
                   <a:txBody>
                     <a:bodyPr/>
@@ -4317,7 +4306,7 @@
                         </a:spcAft>
                       </a:pPr>
                       <a:r>
-                        <a:rPr lang="en-US" sz="800">
+                        <a:rPr lang="en-US" sz="900">
                           <a:effectLst/>
                           <a:latin typeface="Times New Roman" panose="02020603050405020304" pitchFamily="18" charset="0"/>
                           <a:ea typeface="Cambria" panose="02040503050406030204" pitchFamily="18" charset="0"/>
@@ -4327,7 +4316,7 @@
                       </a:r>
                     </a:p>
                   </a:txBody>
-                  <a:tcPr marL="28575" marR="28575" marT="0" marB="0" anchor="ctr">
+                  <a:tcPr marL="24765" marR="24765" marT="0" marB="0" anchor="ctr">
                     <a:lnL w="12700" cmpd="sng">
                       <a:noFill/>
                     </a:lnL>
@@ -4379,7 +4368,7 @@
                         </a:spcAft>
                       </a:pPr>
                       <a:r>
-                        <a:rPr lang="en-US" sz="800">
+                        <a:rPr lang="en-US" sz="900">
                           <a:effectLst/>
                           <a:latin typeface="Times New Roman" panose="02020603050405020304" pitchFamily="18" charset="0"/>
                           <a:ea typeface="Cambria" panose="02040503050406030204" pitchFamily="18" charset="0"/>
@@ -4389,7 +4378,7 @@
                       </a:r>
                     </a:p>
                   </a:txBody>
-                  <a:tcPr marL="28575" marR="28575" marT="0" marB="0" anchor="ctr">
+                  <a:tcPr marL="24765" marR="24765" marT="0" marB="0" anchor="ctr">
                     <a:lnL w="12700" cap="flat" cmpd="sng" algn="ctr">
                       <a:noFill/>
                       <a:prstDash val="solid"/>
@@ -4433,7 +4422,7 @@
                   </a:ext>
                 </a:extLst>
               </a:tr>
-              <a:tr h="136208">
+              <a:tr h="133813">
                 <a:tc>
                   <a:txBody>
                     <a:bodyPr/>
@@ -4448,7 +4437,7 @@
                         </a:spcAft>
                       </a:pPr>
                       <a:r>
-                        <a:rPr lang="en-US" sz="800">
+                        <a:rPr lang="en-US" sz="900">
                           <a:effectLst/>
                           <a:latin typeface="Times New Roman" panose="02020603050405020304" pitchFamily="18" charset="0"/>
                           <a:ea typeface="Cambria" panose="02040503050406030204" pitchFamily="18" charset="0"/>
@@ -4458,7 +4447,7 @@
                       </a:r>
                     </a:p>
                   </a:txBody>
-                  <a:tcPr marL="28575" marR="28575" marT="0" marB="0" anchor="ctr">
+                  <a:tcPr marL="24765" marR="24765" marT="0" marB="0" anchor="ctr">
                     <a:lnL w="12700" cmpd="sng">
                       <a:noFill/>
                     </a:lnL>
@@ -4510,7 +4499,7 @@
                         </a:spcAft>
                       </a:pPr>
                       <a:r>
-                        <a:rPr lang="en-US" sz="800">
+                        <a:rPr lang="en-US" sz="900">
                           <a:effectLst/>
                           <a:latin typeface="Times New Roman" panose="02020603050405020304" pitchFamily="18" charset="0"/>
                           <a:ea typeface="Cambria" panose="02040503050406030204" pitchFamily="18" charset="0"/>
@@ -4520,7 +4509,7 @@
                       </a:r>
                     </a:p>
                   </a:txBody>
-                  <a:tcPr marL="28575" marR="28575" marT="0" marB="0" anchor="ctr">
+                  <a:tcPr marL="24765" marR="24765" marT="0" marB="0" anchor="ctr">
                     <a:lnL w="12700" cap="flat" cmpd="sng" algn="ctr">
                       <a:noFill/>
                       <a:prstDash val="solid"/>
@@ -4564,7 +4553,7 @@
                   </a:ext>
                 </a:extLst>
               </a:tr>
-              <a:tr h="136208">
+              <a:tr h="133813">
                 <a:tc>
                   <a:txBody>
                     <a:bodyPr/>
@@ -4579,7 +4568,7 @@
                         </a:spcAft>
                       </a:pPr>
                       <a:r>
-                        <a:rPr lang="en-US" sz="800">
+                        <a:rPr lang="en-US" sz="900">
                           <a:effectLst/>
                           <a:latin typeface="Times New Roman" panose="02020603050405020304" pitchFamily="18" charset="0"/>
                           <a:ea typeface="Cambria" panose="02040503050406030204" pitchFamily="18" charset="0"/>
@@ -4589,7 +4578,7 @@
                       </a:r>
                     </a:p>
                   </a:txBody>
-                  <a:tcPr marL="28575" marR="28575" marT="0" marB="0" anchor="ctr">
+                  <a:tcPr marL="24765" marR="24765" marT="0" marB="0" anchor="ctr">
                     <a:lnL w="12700" cmpd="sng">
                       <a:noFill/>
                     </a:lnL>
@@ -4641,7 +4630,7 @@
                         </a:spcAft>
                       </a:pPr>
                       <a:r>
-                        <a:rPr lang="en-US" sz="800">
+                        <a:rPr lang="en-US" sz="900">
                           <a:effectLst/>
                           <a:latin typeface="Times New Roman" panose="02020603050405020304" pitchFamily="18" charset="0"/>
                           <a:ea typeface="Cambria" panose="02040503050406030204" pitchFamily="18" charset="0"/>
@@ -4651,7 +4640,7 @@
                       </a:r>
                     </a:p>
                   </a:txBody>
-                  <a:tcPr marL="28575" marR="28575" marT="0" marB="0" anchor="ctr">
+                  <a:tcPr marL="24765" marR="24765" marT="0" marB="0" anchor="ctr">
                     <a:lnL w="12700" cap="flat" cmpd="sng" algn="ctr">
                       <a:noFill/>
                       <a:prstDash val="solid"/>
@@ -4695,7 +4684,7 @@
                   </a:ext>
                 </a:extLst>
               </a:tr>
-              <a:tr h="136208">
+              <a:tr h="133813">
                 <a:tc>
                   <a:txBody>
                     <a:bodyPr/>
@@ -4710,7 +4699,7 @@
                         </a:spcAft>
                       </a:pPr>
                       <a:r>
-                        <a:rPr lang="en-US" sz="800">
+                        <a:rPr lang="en-US" sz="900">
                           <a:effectLst/>
                           <a:latin typeface="Times New Roman" panose="02020603050405020304" pitchFamily="18" charset="0"/>
                           <a:ea typeface="Cambria" panose="02040503050406030204" pitchFamily="18" charset="0"/>
@@ -4720,7 +4709,7 @@
                       </a:r>
                     </a:p>
                   </a:txBody>
-                  <a:tcPr marL="28575" marR="28575" marT="0" marB="0" anchor="ctr">
+                  <a:tcPr marL="24765" marR="24765" marT="0" marB="0" anchor="ctr">
                     <a:lnL w="12700" cmpd="sng">
                       <a:noFill/>
                     </a:lnL>
@@ -4772,7 +4761,7 @@
                         </a:spcAft>
                       </a:pPr>
                       <a:r>
-                        <a:rPr lang="en-US" sz="800" dirty="0">
+                        <a:rPr lang="en-US" sz="900" dirty="0">
                           <a:effectLst/>
                           <a:latin typeface="Times New Roman" panose="02020603050405020304" pitchFamily="18" charset="0"/>
                           <a:ea typeface="Cambria" panose="02040503050406030204" pitchFamily="18" charset="0"/>
@@ -4781,7 +4770,7 @@
                         <a:t>Belo Sur </a:t>
                       </a:r>
                       <a:r>
-                        <a:rPr lang="en-US" sz="800" dirty="0" err="1">
+                        <a:rPr lang="en-US" sz="900" dirty="0" err="1">
                           <a:effectLst/>
                           <a:latin typeface="Times New Roman" panose="02020603050405020304" pitchFamily="18" charset="0"/>
                           <a:ea typeface="Cambria" panose="02040503050406030204" pitchFamily="18" charset="0"/>
@@ -4789,7 +4778,7 @@
                         </a:rPr>
                         <a:t>Tsiribihina</a:t>
                       </a:r>
-                      <a:endParaRPr lang="en-US" sz="800" dirty="0">
+                      <a:endParaRPr lang="en-US" sz="900" dirty="0">
                         <a:effectLst/>
                         <a:latin typeface="Times New Roman" panose="02020603050405020304" pitchFamily="18" charset="0"/>
                         <a:ea typeface="Cambria" panose="02040503050406030204" pitchFamily="18" charset="0"/>
@@ -4797,7 +4786,7 @@
                       </a:endParaRPr>
                     </a:p>
                   </a:txBody>
-                  <a:tcPr marL="28575" marR="28575" marT="0" marB="0" anchor="ctr">
+                  <a:tcPr marL="24765" marR="24765" marT="0" marB="0" anchor="ctr">
                     <a:lnL w="12700" cap="flat" cmpd="sng" algn="ctr">
                       <a:noFill/>
                       <a:prstDash val="solid"/>
@@ -4841,7 +4830,7 @@
                   </a:ext>
                 </a:extLst>
               </a:tr>
-              <a:tr h="136208">
+              <a:tr h="133813">
                 <a:tc>
                   <a:txBody>
                     <a:bodyPr/>
@@ -4856,7 +4845,7 @@
                         </a:spcAft>
                       </a:pPr>
                       <a:r>
-                        <a:rPr lang="en-US" sz="800">
+                        <a:rPr lang="en-US" sz="900">
                           <a:effectLst/>
                           <a:latin typeface="Times New Roman" panose="02020603050405020304" pitchFamily="18" charset="0"/>
                           <a:ea typeface="Cambria" panose="02040503050406030204" pitchFamily="18" charset="0"/>
@@ -4866,7 +4855,7 @@
                       </a:r>
                     </a:p>
                   </a:txBody>
-                  <a:tcPr marL="28575" marR="28575" marT="0" marB="0" anchor="ctr">
+                  <a:tcPr marL="24765" marR="24765" marT="0" marB="0" anchor="ctr">
                     <a:lnL w="12700" cmpd="sng">
                       <a:noFill/>
                     </a:lnL>
@@ -4918,7 +4907,7 @@
                         </a:spcAft>
                       </a:pPr>
                       <a:r>
-                        <a:rPr lang="en-US" sz="800">
+                        <a:rPr lang="en-US" sz="900">
                           <a:effectLst/>
                           <a:latin typeface="Times New Roman" panose="02020603050405020304" pitchFamily="18" charset="0"/>
                           <a:ea typeface="Cambria" panose="02040503050406030204" pitchFamily="18" charset="0"/>
@@ -4928,7 +4917,7 @@
                       </a:r>
                     </a:p>
                   </a:txBody>
-                  <a:tcPr marL="28575" marR="28575" marT="0" marB="0" anchor="ctr">
+                  <a:tcPr marL="24765" marR="24765" marT="0" marB="0" anchor="ctr">
                     <a:lnL w="12700" cap="flat" cmpd="sng" algn="ctr">
                       <a:noFill/>
                       <a:prstDash val="solid"/>
@@ -4972,7 +4961,7 @@
                   </a:ext>
                 </a:extLst>
               </a:tr>
-              <a:tr h="136208">
+              <a:tr h="133813">
                 <a:tc>
                   <a:txBody>
                     <a:bodyPr/>
@@ -4987,7 +4976,7 @@
                         </a:spcAft>
                       </a:pPr>
                       <a:r>
-                        <a:rPr lang="en-US" sz="800">
+                        <a:rPr lang="en-US" sz="900">
                           <a:effectLst/>
                           <a:latin typeface="Times New Roman" panose="02020603050405020304" pitchFamily="18" charset="0"/>
                           <a:ea typeface="Cambria" panose="02040503050406030204" pitchFamily="18" charset="0"/>
@@ -4997,7 +4986,7 @@
                       </a:r>
                     </a:p>
                   </a:txBody>
-                  <a:tcPr marL="28575" marR="28575" marT="0" marB="0" anchor="ctr">
+                  <a:tcPr marL="24765" marR="24765" marT="0" marB="0" anchor="ctr">
                     <a:lnL w="12700" cmpd="sng">
                       <a:noFill/>
                     </a:lnL>
@@ -5049,7 +5038,7 @@
                         </a:spcAft>
                       </a:pPr>
                       <a:r>
-                        <a:rPr lang="en-US" sz="800">
+                        <a:rPr lang="en-US" sz="900">
                           <a:effectLst/>
                           <a:latin typeface="Times New Roman" panose="02020603050405020304" pitchFamily="18" charset="0"/>
                           <a:ea typeface="Cambria" panose="02040503050406030204" pitchFamily="18" charset="0"/>
@@ -5059,7 +5048,7 @@
                       </a:r>
                     </a:p>
                   </a:txBody>
-                  <a:tcPr marL="28575" marR="28575" marT="0" marB="0" anchor="ctr">
+                  <a:tcPr marL="24765" marR="24765" marT="0" marB="0" anchor="ctr">
                     <a:lnL w="12700" cap="flat" cmpd="sng" algn="ctr">
                       <a:noFill/>
                       <a:prstDash val="solid"/>
@@ -5103,7 +5092,7 @@
                   </a:ext>
                 </a:extLst>
               </a:tr>
-              <a:tr h="136208">
+              <a:tr h="133813">
                 <a:tc>
                   <a:txBody>
                     <a:bodyPr/>
@@ -5118,7 +5107,7 @@
                         </a:spcAft>
                       </a:pPr>
                       <a:r>
-                        <a:rPr lang="en-US" sz="800">
+                        <a:rPr lang="en-US" sz="900">
                           <a:effectLst/>
                           <a:latin typeface="Times New Roman" panose="02020603050405020304" pitchFamily="18" charset="0"/>
                           <a:ea typeface="Cambria" panose="02040503050406030204" pitchFamily="18" charset="0"/>
@@ -5128,7 +5117,7 @@
                       </a:r>
                     </a:p>
                   </a:txBody>
-                  <a:tcPr marL="28575" marR="28575" marT="0" marB="0" anchor="ctr">
+                  <a:tcPr marL="24765" marR="24765" marT="0" marB="0" anchor="ctr">
                     <a:lnL w="12700" cmpd="sng">
                       <a:noFill/>
                     </a:lnL>
@@ -5180,7 +5169,7 @@
                         </a:spcAft>
                       </a:pPr>
                       <a:r>
-                        <a:rPr lang="en-US" sz="800">
+                        <a:rPr lang="en-US" sz="900">
                           <a:effectLst/>
                           <a:latin typeface="Times New Roman" panose="02020603050405020304" pitchFamily="18" charset="0"/>
                           <a:ea typeface="Cambria" panose="02040503050406030204" pitchFamily="18" charset="0"/>
@@ -5190,7 +5179,7 @@
                       </a:r>
                     </a:p>
                   </a:txBody>
-                  <a:tcPr marL="28575" marR="28575" marT="0" marB="0" anchor="ctr">
+                  <a:tcPr marL="24765" marR="24765" marT="0" marB="0" anchor="ctr">
                     <a:lnL w="12700" cap="flat" cmpd="sng" algn="ctr">
                       <a:noFill/>
                       <a:prstDash val="solid"/>
@@ -5234,7 +5223,7 @@
                   </a:ext>
                 </a:extLst>
               </a:tr>
-              <a:tr h="136208">
+              <a:tr h="133813">
                 <a:tc>
                   <a:txBody>
                     <a:bodyPr/>
@@ -5249,7 +5238,7 @@
                         </a:spcAft>
                       </a:pPr>
                       <a:r>
-                        <a:rPr lang="en-US" sz="800">
+                        <a:rPr lang="en-US" sz="900">
                           <a:effectLst/>
                           <a:latin typeface="Times New Roman" panose="02020603050405020304" pitchFamily="18" charset="0"/>
                           <a:ea typeface="Cambria" panose="02040503050406030204" pitchFamily="18" charset="0"/>
@@ -5259,7 +5248,7 @@
                       </a:r>
                     </a:p>
                   </a:txBody>
-                  <a:tcPr marL="28575" marR="28575" marT="0" marB="0" anchor="ctr">
+                  <a:tcPr marL="24765" marR="24765" marT="0" marB="0" anchor="ctr">
                     <a:lnL w="12700" cmpd="sng">
                       <a:noFill/>
                     </a:lnL>
@@ -5311,7 +5300,7 @@
                         </a:spcAft>
                       </a:pPr>
                       <a:r>
-                        <a:rPr lang="en-US" sz="800">
+                        <a:rPr lang="en-US" sz="900">
                           <a:effectLst/>
                           <a:latin typeface="Times New Roman" panose="02020603050405020304" pitchFamily="18" charset="0"/>
                           <a:ea typeface="Cambria" panose="02040503050406030204" pitchFamily="18" charset="0"/>
@@ -5321,7 +5310,7 @@
                       </a:r>
                     </a:p>
                   </a:txBody>
-                  <a:tcPr marL="28575" marR="28575" marT="0" marB="0" anchor="ctr">
+                  <a:tcPr marL="24765" marR="24765" marT="0" marB="0" anchor="ctr">
                     <a:lnL w="12700" cap="flat" cmpd="sng" algn="ctr">
                       <a:noFill/>
                       <a:prstDash val="solid"/>
@@ -5365,7 +5354,7 @@
                   </a:ext>
                 </a:extLst>
               </a:tr>
-              <a:tr h="136208">
+              <a:tr h="133813">
                 <a:tc>
                   <a:txBody>
                     <a:bodyPr/>
@@ -5380,7 +5369,7 @@
                         </a:spcAft>
                       </a:pPr>
                       <a:r>
-                        <a:rPr lang="en-US" sz="800">
+                        <a:rPr lang="en-US" sz="900">
                           <a:effectLst/>
                           <a:latin typeface="Times New Roman" panose="02020603050405020304" pitchFamily="18" charset="0"/>
                           <a:ea typeface="Cambria" panose="02040503050406030204" pitchFamily="18" charset="0"/>
@@ -5390,7 +5379,7 @@
                       </a:r>
                     </a:p>
                   </a:txBody>
-                  <a:tcPr marL="28575" marR="28575" marT="0" marB="0" anchor="ctr">
+                  <a:tcPr marL="24765" marR="24765" marT="0" marB="0" anchor="ctr">
                     <a:lnL w="12700" cmpd="sng">
                       <a:noFill/>
                     </a:lnL>
@@ -5442,7 +5431,7 @@
                         </a:spcAft>
                       </a:pPr>
                       <a:r>
-                        <a:rPr lang="en-US" sz="800">
+                        <a:rPr lang="en-US" sz="900">
                           <a:effectLst/>
                           <a:latin typeface="Times New Roman" panose="02020603050405020304" pitchFamily="18" charset="0"/>
                           <a:ea typeface="Cambria" panose="02040503050406030204" pitchFamily="18" charset="0"/>
@@ -5452,7 +5441,7 @@
                       </a:r>
                     </a:p>
                   </a:txBody>
-                  <a:tcPr marL="28575" marR="28575" marT="0" marB="0" anchor="ctr">
+                  <a:tcPr marL="24765" marR="24765" marT="0" marB="0" anchor="ctr">
                     <a:lnL w="12700" cap="flat" cmpd="sng" algn="ctr">
                       <a:noFill/>
                       <a:prstDash val="solid"/>
@@ -5496,7 +5485,7 @@
                   </a:ext>
                 </a:extLst>
               </a:tr>
-              <a:tr h="136208">
+              <a:tr h="133813">
                 <a:tc>
                   <a:txBody>
                     <a:bodyPr/>
@@ -5511,7 +5500,7 @@
                         </a:spcAft>
                       </a:pPr>
                       <a:r>
-                        <a:rPr lang="en-US" sz="800">
+                        <a:rPr lang="en-US" sz="900">
                           <a:effectLst/>
                           <a:latin typeface="Times New Roman" panose="02020603050405020304" pitchFamily="18" charset="0"/>
                           <a:ea typeface="Cambria" panose="02040503050406030204" pitchFamily="18" charset="0"/>
@@ -5521,7 +5510,7 @@
                       </a:r>
                     </a:p>
                   </a:txBody>
-                  <a:tcPr marL="28575" marR="28575" marT="0" marB="0" anchor="ctr">
+                  <a:tcPr marL="24765" marR="24765" marT="0" marB="0" anchor="ctr">
                     <a:lnL w="12700" cmpd="sng">
                       <a:noFill/>
                     </a:lnL>
@@ -5573,7 +5562,7 @@
                         </a:spcAft>
                       </a:pPr>
                       <a:r>
-                        <a:rPr lang="en-US" sz="800" dirty="0" err="1">
+                        <a:rPr lang="en-US" sz="900" dirty="0" err="1">
                           <a:effectLst/>
                           <a:latin typeface="Times New Roman" panose="02020603050405020304" pitchFamily="18" charset="0"/>
                           <a:ea typeface="Cambria" panose="02040503050406030204" pitchFamily="18" charset="0"/>
@@ -5581,7 +5570,7 @@
                         </a:rPr>
                         <a:t>Mananara-Avaratra</a:t>
                       </a:r>
-                      <a:endParaRPr lang="en-US" sz="800" dirty="0">
+                      <a:endParaRPr lang="en-US" sz="900" dirty="0">
                         <a:effectLst/>
                         <a:latin typeface="Times New Roman" panose="02020603050405020304" pitchFamily="18" charset="0"/>
                         <a:ea typeface="Cambria" panose="02040503050406030204" pitchFamily="18" charset="0"/>
@@ -5589,7 +5578,7 @@
                       </a:endParaRPr>
                     </a:p>
                   </a:txBody>
-                  <a:tcPr marL="28575" marR="28575" marT="0" marB="0" anchor="ctr">
+                  <a:tcPr marL="24765" marR="24765" marT="0" marB="0" anchor="ctr">
                     <a:lnL w="12700" cap="flat" cmpd="sng" algn="ctr">
                       <a:noFill/>
                       <a:prstDash val="solid"/>
@@ -5633,7 +5622,7 @@
                   </a:ext>
                 </a:extLst>
               </a:tr>
-              <a:tr h="136208">
+              <a:tr h="133813">
                 <a:tc>
                   <a:txBody>
                     <a:bodyPr/>
@@ -5648,7 +5637,7 @@
                         </a:spcAft>
                       </a:pPr>
                       <a:r>
-                        <a:rPr lang="en-US" sz="800">
+                        <a:rPr lang="en-US" sz="900">
                           <a:effectLst/>
                           <a:latin typeface="Times New Roman" panose="02020603050405020304" pitchFamily="18" charset="0"/>
                           <a:ea typeface="Cambria" panose="02040503050406030204" pitchFamily="18" charset="0"/>
@@ -5658,7 +5647,7 @@
                       </a:r>
                     </a:p>
                   </a:txBody>
-                  <a:tcPr marL="28575" marR="28575" marT="0" marB="0" anchor="ctr">
+                  <a:tcPr marL="24765" marR="24765" marT="0" marB="0" anchor="ctr">
                     <a:lnL w="12700" cmpd="sng">
                       <a:noFill/>
                     </a:lnL>
@@ -5710,7 +5699,7 @@
                         </a:spcAft>
                       </a:pPr>
                       <a:r>
-                        <a:rPr lang="en-US" sz="800">
+                        <a:rPr lang="en-US" sz="900">
                           <a:effectLst/>
                           <a:latin typeface="Times New Roman" panose="02020603050405020304" pitchFamily="18" charset="0"/>
                           <a:ea typeface="Cambria" panose="02040503050406030204" pitchFamily="18" charset="0"/>
@@ -5720,7 +5709,7 @@
                       </a:r>
                     </a:p>
                   </a:txBody>
-                  <a:tcPr marL="28575" marR="28575" marT="0" marB="0" anchor="ctr">
+                  <a:tcPr marL="24765" marR="24765" marT="0" marB="0" anchor="ctr">
                     <a:lnL w="12700" cap="flat" cmpd="sng" algn="ctr">
                       <a:noFill/>
                       <a:prstDash val="solid"/>
@@ -5764,7 +5753,7 @@
                   </a:ext>
                 </a:extLst>
               </a:tr>
-              <a:tr h="136208">
+              <a:tr h="133813">
                 <a:tc>
                   <a:txBody>
                     <a:bodyPr/>
@@ -5779,7 +5768,7 @@
                         </a:spcAft>
                       </a:pPr>
                       <a:r>
-                        <a:rPr lang="en-US" sz="800">
+                        <a:rPr lang="en-US" sz="900">
                           <a:effectLst/>
                           <a:latin typeface="Times New Roman" panose="02020603050405020304" pitchFamily="18" charset="0"/>
                           <a:ea typeface="Cambria" panose="02040503050406030204" pitchFamily="18" charset="0"/>
@@ -5789,7 +5778,7 @@
                       </a:r>
                     </a:p>
                   </a:txBody>
-                  <a:tcPr marL="28575" marR="28575" marT="0" marB="0" anchor="ctr">
+                  <a:tcPr marL="24765" marR="24765" marT="0" marB="0" anchor="ctr">
                     <a:lnL w="12700" cmpd="sng">
                       <a:noFill/>
                     </a:lnL>
@@ -5841,7 +5830,7 @@
                         </a:spcAft>
                       </a:pPr>
                       <a:r>
-                        <a:rPr lang="en-US" sz="800">
+                        <a:rPr lang="en-US" sz="900">
                           <a:effectLst/>
                           <a:latin typeface="Times New Roman" panose="02020603050405020304" pitchFamily="18" charset="0"/>
                           <a:ea typeface="Cambria" panose="02040503050406030204" pitchFamily="18" charset="0"/>
@@ -5851,7 +5840,7 @@
                       </a:r>
                     </a:p>
                   </a:txBody>
-                  <a:tcPr marL="28575" marR="28575" marT="0" marB="0" anchor="ctr">
+                  <a:tcPr marL="24765" marR="24765" marT="0" marB="0" anchor="ctr">
                     <a:lnL w="12700" cap="flat" cmpd="sng" algn="ctr">
                       <a:noFill/>
                       <a:prstDash val="solid"/>
@@ -5895,7 +5884,7 @@
                   </a:ext>
                 </a:extLst>
               </a:tr>
-              <a:tr h="136208">
+              <a:tr h="133813">
                 <a:tc>
                   <a:txBody>
                     <a:bodyPr/>
@@ -5910,7 +5899,7 @@
                         </a:spcAft>
                       </a:pPr>
                       <a:r>
-                        <a:rPr lang="en-US" sz="800">
+                        <a:rPr lang="en-US" sz="900">
                           <a:effectLst/>
                           <a:latin typeface="Times New Roman" panose="02020603050405020304" pitchFamily="18" charset="0"/>
                           <a:ea typeface="Cambria" panose="02040503050406030204" pitchFamily="18" charset="0"/>
@@ -5920,7 +5909,7 @@
                       </a:r>
                     </a:p>
                   </a:txBody>
-                  <a:tcPr marL="28575" marR="28575" marT="0" marB="0" anchor="ctr">
+                  <a:tcPr marL="24765" marR="24765" marT="0" marB="0" anchor="ctr">
                     <a:lnL w="12700" cmpd="sng">
                       <a:noFill/>
                     </a:lnL>
@@ -5972,7 +5961,7 @@
                         </a:spcAft>
                       </a:pPr>
                       <a:r>
-                        <a:rPr lang="en-US" sz="800">
+                        <a:rPr lang="en-US" sz="900">
                           <a:effectLst/>
                           <a:latin typeface="Times New Roman" panose="02020603050405020304" pitchFamily="18" charset="0"/>
                           <a:ea typeface="Cambria" panose="02040503050406030204" pitchFamily="18" charset="0"/>
@@ -5982,7 +5971,7 @@
                       </a:r>
                     </a:p>
                   </a:txBody>
-                  <a:tcPr marL="28575" marR="28575" marT="0" marB="0" anchor="ctr">
+                  <a:tcPr marL="24765" marR="24765" marT="0" marB="0" anchor="ctr">
                     <a:lnL w="12700" cap="flat" cmpd="sng" algn="ctr">
                       <a:noFill/>
                       <a:prstDash val="solid"/>
@@ -6026,7 +6015,7 @@
                   </a:ext>
                 </a:extLst>
               </a:tr>
-              <a:tr h="136208">
+              <a:tr h="133813">
                 <a:tc>
                   <a:txBody>
                     <a:bodyPr/>
@@ -6041,7 +6030,7 @@
                         </a:spcAft>
                       </a:pPr>
                       <a:r>
-                        <a:rPr lang="en-US" sz="800">
+                        <a:rPr lang="en-US" sz="900">
                           <a:effectLst/>
                           <a:latin typeface="Times New Roman" panose="02020603050405020304" pitchFamily="18" charset="0"/>
                           <a:ea typeface="Cambria" panose="02040503050406030204" pitchFamily="18" charset="0"/>
@@ -6051,7 +6040,7 @@
                       </a:r>
                     </a:p>
                   </a:txBody>
-                  <a:tcPr marL="28575" marR="28575" marT="0" marB="0" anchor="ctr">
+                  <a:tcPr marL="24765" marR="24765" marT="0" marB="0" anchor="ctr">
                     <a:lnL w="12700" cmpd="sng">
                       <a:noFill/>
                     </a:lnL>
@@ -6103,7 +6092,7 @@
                         </a:spcAft>
                       </a:pPr>
                       <a:r>
-                        <a:rPr lang="en-US" sz="800" dirty="0">
+                        <a:rPr lang="en-US" sz="900" dirty="0">
                           <a:effectLst/>
                           <a:latin typeface="Times New Roman" panose="02020603050405020304" pitchFamily="18" charset="0"/>
                           <a:ea typeface="Cambria" panose="02040503050406030204" pitchFamily="18" charset="0"/>
@@ -6112,7 +6101,7 @@
                         <a:t>Nosy-</a:t>
                       </a:r>
                       <a:r>
-                        <a:rPr lang="en-US" sz="800" dirty="0" err="1">
+                        <a:rPr lang="en-US" sz="900" dirty="0" err="1">
                           <a:effectLst/>
                           <a:latin typeface="Times New Roman" panose="02020603050405020304" pitchFamily="18" charset="0"/>
                           <a:ea typeface="Cambria" panose="02040503050406030204" pitchFamily="18" charset="0"/>
@@ -6120,7 +6109,7 @@
                         </a:rPr>
                         <a:t>Varika</a:t>
                       </a:r>
-                      <a:endParaRPr lang="en-US" sz="800" dirty="0">
+                      <a:endParaRPr lang="en-US" sz="900" dirty="0">
                         <a:effectLst/>
                         <a:latin typeface="Times New Roman" panose="02020603050405020304" pitchFamily="18" charset="0"/>
                         <a:ea typeface="Cambria" panose="02040503050406030204" pitchFamily="18" charset="0"/>
@@ -6128,7 +6117,7 @@
                       </a:endParaRPr>
                     </a:p>
                   </a:txBody>
-                  <a:tcPr marL="28575" marR="28575" marT="0" marB="0" anchor="ctr">
+                  <a:tcPr marL="24765" marR="24765" marT="0" marB="0" anchor="ctr">
                     <a:lnL w="12700" cap="flat" cmpd="sng" algn="ctr">
                       <a:noFill/>
                       <a:prstDash val="solid"/>
@@ -6172,7 +6161,7 @@
                   </a:ext>
                 </a:extLst>
               </a:tr>
-              <a:tr h="136208">
+              <a:tr h="133813">
                 <a:tc>
                   <a:txBody>
                     <a:bodyPr/>
@@ -6187,7 +6176,7 @@
                         </a:spcAft>
                       </a:pPr>
                       <a:r>
-                        <a:rPr lang="en-US" sz="800">
+                        <a:rPr lang="en-US" sz="900">
                           <a:effectLst/>
                           <a:latin typeface="Times New Roman" panose="02020603050405020304" pitchFamily="18" charset="0"/>
                           <a:ea typeface="Cambria" panose="02040503050406030204" pitchFamily="18" charset="0"/>
@@ -6197,7 +6186,7 @@
                       </a:r>
                     </a:p>
                   </a:txBody>
-                  <a:tcPr marL="28575" marR="28575" marT="0" marB="0" anchor="ctr">
+                  <a:tcPr marL="24765" marR="24765" marT="0" marB="0" anchor="ctr">
                     <a:lnL w="12700" cmpd="sng">
                       <a:noFill/>
                     </a:lnL>
@@ -6249,7 +6238,7 @@
                         </a:spcAft>
                       </a:pPr>
                       <a:r>
-                        <a:rPr lang="en-US" sz="800">
+                        <a:rPr lang="en-US" sz="900">
                           <a:effectLst/>
                           <a:latin typeface="Times New Roman" panose="02020603050405020304" pitchFamily="18" charset="0"/>
                           <a:ea typeface="Cambria" panose="02040503050406030204" pitchFamily="18" charset="0"/>
@@ -6259,7 +6248,7 @@
                       </a:r>
                     </a:p>
                   </a:txBody>
-                  <a:tcPr marL="28575" marR="28575" marT="0" marB="0" anchor="ctr">
+                  <a:tcPr marL="24765" marR="24765" marT="0" marB="0" anchor="ctr">
                     <a:lnL w="12700" cap="flat" cmpd="sng" algn="ctr">
                       <a:noFill/>
                       <a:prstDash val="solid"/>
@@ -6303,7 +6292,7 @@
                   </a:ext>
                 </a:extLst>
               </a:tr>
-              <a:tr h="136208">
+              <a:tr h="133813">
                 <a:tc>
                   <a:txBody>
                     <a:bodyPr/>
@@ -6318,7 +6307,7 @@
                         </a:spcAft>
                       </a:pPr>
                       <a:r>
-                        <a:rPr lang="en-US" sz="800">
+                        <a:rPr lang="en-US" sz="900">
                           <a:effectLst/>
                           <a:latin typeface="Times New Roman" panose="02020603050405020304" pitchFamily="18" charset="0"/>
                           <a:ea typeface="Cambria" panose="02040503050406030204" pitchFamily="18" charset="0"/>
@@ -6328,7 +6317,7 @@
                       </a:r>
                     </a:p>
                   </a:txBody>
-                  <a:tcPr marL="28575" marR="28575" marT="0" marB="0" anchor="ctr">
+                  <a:tcPr marL="24765" marR="24765" marT="0" marB="0" anchor="ctr">
                     <a:lnL w="12700" cmpd="sng">
                       <a:noFill/>
                     </a:lnL>
@@ -6380,7 +6369,7 @@
                         </a:spcAft>
                       </a:pPr>
                       <a:r>
-                        <a:rPr lang="en-US" sz="800" dirty="0" err="1">
+                        <a:rPr lang="en-US" sz="900" dirty="0" err="1">
                           <a:effectLst/>
                           <a:latin typeface="Times New Roman" panose="02020603050405020304" pitchFamily="18" charset="0"/>
                           <a:ea typeface="Cambria" panose="02040503050406030204" pitchFamily="18" charset="0"/>
@@ -6389,7 +6378,7 @@
                         <a:t>Toliary</a:t>
                       </a:r>
                       <a:r>
-                        <a:rPr lang="en-US" sz="800" dirty="0">
+                        <a:rPr lang="en-US" sz="900" dirty="0">
                           <a:effectLst/>
                           <a:latin typeface="Times New Roman" panose="02020603050405020304" pitchFamily="18" charset="0"/>
                           <a:ea typeface="Cambria" panose="02040503050406030204" pitchFamily="18" charset="0"/>
@@ -6399,7 +6388,7 @@
                       </a:r>
                     </a:p>
                   </a:txBody>
-                  <a:tcPr marL="28575" marR="28575" marT="0" marB="0" anchor="ctr">
+                  <a:tcPr marL="24765" marR="24765" marT="0" marB="0" anchor="ctr">
                     <a:lnL w="12700" cap="flat" cmpd="sng" algn="ctr">
                       <a:noFill/>
                       <a:prstDash val="solid"/>
@@ -6443,7 +6432,7 @@
                   </a:ext>
                 </a:extLst>
               </a:tr>
-              <a:tr h="136208">
+              <a:tr h="133813">
                 <a:tc>
                   <a:txBody>
                     <a:bodyPr/>
@@ -6458,7 +6447,7 @@
                         </a:spcAft>
                       </a:pPr>
                       <a:r>
-                        <a:rPr lang="en-US" sz="800">
+                        <a:rPr lang="en-US" sz="900">
                           <a:effectLst/>
                           <a:latin typeface="Times New Roman" panose="02020603050405020304" pitchFamily="18" charset="0"/>
                           <a:ea typeface="Cambria" panose="02040503050406030204" pitchFamily="18" charset="0"/>
@@ -6468,7 +6457,7 @@
                       </a:r>
                     </a:p>
                   </a:txBody>
-                  <a:tcPr marL="28575" marR="28575" marT="0" marB="0" anchor="ctr">
+                  <a:tcPr marL="24765" marR="24765" marT="0" marB="0" anchor="ctr">
                     <a:lnL w="12700" cmpd="sng">
                       <a:noFill/>
                     </a:lnL>
@@ -6520,7 +6509,7 @@
                         </a:spcAft>
                       </a:pPr>
                       <a:r>
-                        <a:rPr lang="en-US" sz="800" dirty="0" err="1">
+                        <a:rPr lang="en-US" sz="900" dirty="0" err="1">
                           <a:effectLst/>
                           <a:latin typeface="Times New Roman" panose="02020603050405020304" pitchFamily="18" charset="0"/>
                           <a:ea typeface="Cambria" panose="02040503050406030204" pitchFamily="18" charset="0"/>
@@ -6529,7 +6518,7 @@
                         <a:t>Toliary</a:t>
                       </a:r>
                       <a:r>
-                        <a:rPr lang="en-US" sz="800" dirty="0">
+                        <a:rPr lang="en-US" sz="900" dirty="0">
                           <a:effectLst/>
                           <a:latin typeface="Times New Roman" panose="02020603050405020304" pitchFamily="18" charset="0"/>
                           <a:ea typeface="Cambria" panose="02040503050406030204" pitchFamily="18" charset="0"/>
@@ -6539,7 +6528,7 @@
                       </a:r>
                     </a:p>
                   </a:txBody>
-                  <a:tcPr marL="28575" marR="28575" marT="0" marB="0" anchor="ctr">
+                  <a:tcPr marL="24765" marR="24765" marT="0" marB="0" anchor="ctr">
                     <a:lnL w="12700" cap="flat" cmpd="sng" algn="ctr">
                       <a:noFill/>
                       <a:prstDash val="solid"/>
@@ -6583,7 +6572,7 @@
                   </a:ext>
                 </a:extLst>
               </a:tr>
-              <a:tr h="136208">
+              <a:tr h="133813">
                 <a:tc>
                   <a:txBody>
                     <a:bodyPr/>
@@ -6598,7 +6587,7 @@
                         </a:spcAft>
                       </a:pPr>
                       <a:r>
-                        <a:rPr lang="en-US" sz="800">
+                        <a:rPr lang="en-US" sz="900">
                           <a:effectLst/>
                           <a:latin typeface="Times New Roman" panose="02020603050405020304" pitchFamily="18" charset="0"/>
                           <a:ea typeface="Cambria" panose="02040503050406030204" pitchFamily="18" charset="0"/>
@@ -6608,7 +6597,7 @@
                       </a:r>
                     </a:p>
                   </a:txBody>
-                  <a:tcPr marL="28575" marR="28575" marT="0" marB="0" anchor="ctr">
+                  <a:tcPr marL="24765" marR="24765" marT="0" marB="0" anchor="ctr">
                     <a:lnL w="12700" cmpd="sng">
                       <a:noFill/>
                     </a:lnL>
@@ -6660,7 +6649,7 @@
                         </a:spcAft>
                       </a:pPr>
                       <a:r>
-                        <a:rPr lang="en-US" sz="800" dirty="0" err="1">
+                        <a:rPr lang="en-US" sz="900" dirty="0" err="1">
                           <a:effectLst/>
                           <a:latin typeface="Times New Roman" panose="02020603050405020304" pitchFamily="18" charset="0"/>
                           <a:ea typeface="Cambria" panose="02040503050406030204" pitchFamily="18" charset="0"/>
@@ -6669,7 +6658,7 @@
                         <a:t>Toliary</a:t>
                       </a:r>
                       <a:r>
-                        <a:rPr lang="en-US" sz="800" dirty="0">
+                        <a:rPr lang="en-US" sz="900" dirty="0">
                           <a:effectLst/>
                           <a:latin typeface="Times New Roman" panose="02020603050405020304" pitchFamily="18" charset="0"/>
                           <a:ea typeface="Cambria" panose="02040503050406030204" pitchFamily="18" charset="0"/>
@@ -6679,7 +6668,7 @@
                       </a:r>
                     </a:p>
                   </a:txBody>
-                  <a:tcPr marL="28575" marR="28575" marT="0" marB="0" anchor="ctr">
+                  <a:tcPr marL="24765" marR="24765" marT="0" marB="0" anchor="ctr">
                     <a:lnL w="12700" cap="flat" cmpd="sng" algn="ctr">
                       <a:noFill/>
                       <a:prstDash val="solid"/>
@@ -6723,7 +6712,7 @@
                   </a:ext>
                 </a:extLst>
               </a:tr>
-              <a:tr h="136208">
+              <a:tr h="133813">
                 <a:tc>
                   <a:txBody>
                     <a:bodyPr/>
@@ -6738,7 +6727,7 @@
                         </a:spcAft>
                       </a:pPr>
                       <a:r>
-                        <a:rPr lang="en-US" sz="800">
+                        <a:rPr lang="en-US" sz="900">
                           <a:effectLst/>
                           <a:latin typeface="Times New Roman" panose="02020603050405020304" pitchFamily="18" charset="0"/>
                           <a:ea typeface="Cambria" panose="02040503050406030204" pitchFamily="18" charset="0"/>
@@ -6748,7 +6737,7 @@
                       </a:r>
                     </a:p>
                   </a:txBody>
-                  <a:tcPr marL="28575" marR="28575" marT="0" marB="0" anchor="ctr">
+                  <a:tcPr marL="24765" marR="24765" marT="0" marB="0" anchor="ctr">
                     <a:lnL w="12700" cmpd="sng">
                       <a:noFill/>
                     </a:lnL>
@@ -6800,7 +6789,7 @@
                         </a:spcAft>
                       </a:pPr>
                       <a:r>
-                        <a:rPr lang="en-US" sz="800" dirty="0" err="1">
+                        <a:rPr lang="en-US" sz="900" dirty="0" err="1">
                           <a:effectLst/>
                           <a:latin typeface="Times New Roman" panose="02020603050405020304" pitchFamily="18" charset="0"/>
                           <a:ea typeface="Cambria" panose="02040503050406030204" pitchFamily="18" charset="0"/>
@@ -6808,7 +6797,7 @@
                         </a:rPr>
                         <a:t>Tsihombe</a:t>
                       </a:r>
-                      <a:endParaRPr lang="en-US" sz="800" dirty="0">
+                      <a:endParaRPr lang="en-US" sz="900" dirty="0">
                         <a:effectLst/>
                         <a:latin typeface="Times New Roman" panose="02020603050405020304" pitchFamily="18" charset="0"/>
                         <a:ea typeface="Cambria" panose="02040503050406030204" pitchFamily="18" charset="0"/>
@@ -6816,7 +6805,7 @@
                       </a:endParaRPr>
                     </a:p>
                   </a:txBody>
-                  <a:tcPr marL="28575" marR="28575" marT="0" marB="0" anchor="ctr">
+                  <a:tcPr marL="24765" marR="24765" marT="0" marB="0" anchor="ctr">
                     <a:lnL w="12700" cap="flat" cmpd="sng" algn="ctr">
                       <a:noFill/>
                       <a:prstDash val="solid"/>
@@ -6860,7 +6849,7 @@
                   </a:ext>
                 </a:extLst>
               </a:tr>
-              <a:tr h="136208">
+              <a:tr h="133813">
                 <a:tc>
                   <a:txBody>
                     <a:bodyPr/>
@@ -6875,7 +6864,7 @@
                         </a:spcAft>
                       </a:pPr>
                       <a:r>
-                        <a:rPr lang="en-US" sz="800">
+                        <a:rPr lang="en-US" sz="900">
                           <a:effectLst/>
                           <a:latin typeface="Times New Roman" panose="02020603050405020304" pitchFamily="18" charset="0"/>
                           <a:ea typeface="Cambria" panose="02040503050406030204" pitchFamily="18" charset="0"/>
@@ -6885,7 +6874,7 @@
                       </a:r>
                     </a:p>
                   </a:txBody>
-                  <a:tcPr marL="28575" marR="28575" marT="0" marB="0" anchor="ctr">
+                  <a:tcPr marL="24765" marR="24765" marT="0" marB="0" anchor="ctr">
                     <a:lnL w="12700" cmpd="sng">
                       <a:noFill/>
                     </a:lnL>
@@ -6937,7 +6926,7 @@
                         </a:spcAft>
                       </a:pPr>
                       <a:r>
-                        <a:rPr lang="en-US" sz="800" dirty="0" err="1">
+                        <a:rPr lang="en-US" sz="900" dirty="0" err="1">
                           <a:effectLst/>
                           <a:latin typeface="Times New Roman" panose="02020603050405020304" pitchFamily="18" charset="0"/>
                           <a:ea typeface="Cambria" panose="02040503050406030204" pitchFamily="18" charset="0"/>
@@ -6945,7 +6934,7 @@
                         </a:rPr>
                         <a:t>Brickaville</a:t>
                       </a:r>
-                      <a:endParaRPr lang="en-US" sz="800" dirty="0">
+                      <a:endParaRPr lang="en-US" sz="900" dirty="0">
                         <a:effectLst/>
                         <a:latin typeface="Times New Roman" panose="02020603050405020304" pitchFamily="18" charset="0"/>
                         <a:ea typeface="Cambria" panose="02040503050406030204" pitchFamily="18" charset="0"/>
@@ -6953,7 +6942,7 @@
                       </a:endParaRPr>
                     </a:p>
                   </a:txBody>
-                  <a:tcPr marL="28575" marR="28575" marT="0" marB="0" anchor="ctr">
+                  <a:tcPr marL="24765" marR="24765" marT="0" marB="0" anchor="ctr">
                     <a:lnL w="12700" cap="flat" cmpd="sng" algn="ctr">
                       <a:noFill/>
                       <a:prstDash val="solid"/>
@@ -6997,7 +6986,7 @@
                   </a:ext>
                 </a:extLst>
               </a:tr>
-              <a:tr h="136208">
+              <a:tr h="133813">
                 <a:tc>
                   <a:txBody>
                     <a:bodyPr/>
@@ -7012,7 +7001,7 @@
                         </a:spcAft>
                       </a:pPr>
                       <a:r>
-                        <a:rPr lang="en-US" sz="800" dirty="0" err="1">
+                        <a:rPr lang="en-US" sz="900" dirty="0" err="1">
                           <a:effectLst/>
                           <a:latin typeface="Times New Roman" panose="02020603050405020304" pitchFamily="18" charset="0"/>
                           <a:ea typeface="Cambria" panose="02040503050406030204" pitchFamily="18" charset="0"/>
@@ -7020,7 +7009,7 @@
                         </a:rPr>
                         <a:t>Vohimarina</a:t>
                       </a:r>
-                      <a:endParaRPr lang="en-US" sz="800" dirty="0">
+                      <a:endParaRPr lang="en-US" sz="900" dirty="0">
                         <a:effectLst/>
                         <a:latin typeface="Times New Roman" panose="02020603050405020304" pitchFamily="18" charset="0"/>
                         <a:ea typeface="Cambria" panose="02040503050406030204" pitchFamily="18" charset="0"/>
@@ -7028,7 +7017,7 @@
                       </a:endParaRPr>
                     </a:p>
                   </a:txBody>
-                  <a:tcPr marL="28575" marR="28575" marT="0" marB="0" anchor="ctr">
+                  <a:tcPr marL="24765" marR="24765" marT="0" marB="0" anchor="ctr">
                     <a:lnL w="12700" cmpd="sng">
                       <a:noFill/>
                     </a:lnL>
@@ -7082,7 +7071,7 @@
                         </a:spcAft>
                       </a:pPr>
                       <a:r>
-                        <a:rPr lang="en-US" sz="800" dirty="0" err="1">
+                        <a:rPr lang="en-US" sz="900" dirty="0" err="1">
                           <a:effectLst/>
                           <a:latin typeface="Times New Roman" panose="02020603050405020304" pitchFamily="18" charset="0"/>
                           <a:ea typeface="Cambria" panose="02040503050406030204" pitchFamily="18" charset="0"/>
@@ -7090,7 +7079,7 @@
                         </a:rPr>
                         <a:t>Vohemar</a:t>
                       </a:r>
-                      <a:endParaRPr lang="en-US" sz="800" dirty="0">
+                      <a:endParaRPr lang="en-US" sz="900" dirty="0">
                         <a:effectLst/>
                         <a:latin typeface="Times New Roman" panose="02020603050405020304" pitchFamily="18" charset="0"/>
                         <a:ea typeface="Cambria" panose="02040503050406030204" pitchFamily="18" charset="0"/>
@@ -7098,7 +7087,7 @@
                       </a:endParaRPr>
                     </a:p>
                   </a:txBody>
-                  <a:tcPr marL="28575" marR="28575" marT="0" marB="0" anchor="ctr">
+                  <a:tcPr marL="24765" marR="24765" marT="0" marB="0" anchor="ctr">
                     <a:lnL w="12700" cap="flat" cmpd="sng" algn="ctr">
                       <a:noFill/>
                       <a:prstDash val="solid"/>
